--- a/Documentação/Diagrama-Solucao.pptx
+++ b/Documentação/Diagrama-Solucao.pptx
@@ -5,8 +5,8 @@
     <p:sldMasterId id="2147483750" r:id="rId1"/>
   </p:sldMasterIdLst>
   <p:sldIdLst>
-    <p:sldId id="257" r:id="rId2"/>
-    <p:sldId id="258" r:id="rId3"/>
+    <p:sldId id="258" r:id="rId2"/>
+    <p:sldId id="259" r:id="rId3"/>
   </p:sldIdLst>
   <p:sldSz cx="12192000" cy="6858000"/>
   <p:notesSz cx="6858000" cy="9144000"/>
@@ -244,7 +244,7 @@
           <a:p>
             <a:fld id="{9AB3A824-1A51-4B26-AD58-A6D8E14F6C04}" type="datetimeFigureOut">
               <a:rPr lang="en-US" smtClean="0"/>
-              <a:t>10/10/2019</a:t>
+              <a:t>10/16/2019</a:t>
             </a:fld>
             <a:endParaRPr lang="en-US" dirty="0"/>
           </a:p>
@@ -419,7 +419,7 @@
           <a:p>
             <a:fld id="{D857E33E-8B18-4087-B112-809917729534}" type="datetimeFigureOut">
               <a:rPr lang="en-US" smtClean="0"/>
-              <a:t>10/10/2019</a:t>
+              <a:t>10/16/2019</a:t>
             </a:fld>
             <a:endParaRPr lang="en-US" dirty="0"/>
           </a:p>
@@ -604,7 +604,7 @@
           <a:p>
             <a:fld id="{D3FFE419-2371-464F-8239-3959401C3561}" type="datetimeFigureOut">
               <a:rPr lang="en-US" smtClean="0"/>
-              <a:t>10/10/2019</a:t>
+              <a:t>10/16/2019</a:t>
             </a:fld>
             <a:endParaRPr lang="en-US" dirty="0"/>
           </a:p>
@@ -779,7 +779,7 @@
           <a:p>
             <a:fld id="{97D162C4-EDD9-4389-A98B-B87ECEA2A816}" type="datetimeFigureOut">
               <a:rPr lang="en-US" smtClean="0"/>
-              <a:t>10/10/2019</a:t>
+              <a:t>10/16/2019</a:t>
             </a:fld>
             <a:endParaRPr lang="en-US" dirty="0"/>
           </a:p>
@@ -1030,7 +1030,7 @@
           <a:p>
             <a:fld id="{3E5059C3-6A89-4494-99FF-5A4D6FFD50EB}" type="datetimeFigureOut">
               <a:rPr lang="en-US" smtClean="0"/>
-              <a:t>10/10/2019</a:t>
+              <a:t>10/16/2019</a:t>
             </a:fld>
             <a:endParaRPr lang="en-US" dirty="0"/>
           </a:p>
@@ -1267,7 +1267,7 @@
           <a:p>
             <a:fld id="{CA954B2F-12DE-47F5-8894-472B206D2E1E}" type="datetimeFigureOut">
               <a:rPr lang="en-US" smtClean="0"/>
-              <a:t>10/10/2019</a:t>
+              <a:t>10/16/2019</a:t>
             </a:fld>
             <a:endParaRPr lang="en-US" dirty="0"/>
           </a:p>
@@ -1639,7 +1639,7 @@
           <a:p>
             <a:fld id="{3F30E46F-7819-4ACF-B48B-48222C2ACC88}" type="datetimeFigureOut">
               <a:rPr lang="en-US" smtClean="0"/>
-              <a:t>10/10/2019</a:t>
+              <a:t>10/16/2019</a:t>
             </a:fld>
             <a:endParaRPr lang="en-US" dirty="0"/>
           </a:p>
@@ -1762,7 +1762,7 @@
           <a:p>
             <a:fld id="{1FAF3416-4057-4DAA-829D-4CA07428D088}" type="datetimeFigureOut">
               <a:rPr lang="en-US" smtClean="0"/>
-              <a:t>10/10/2019</a:t>
+              <a:t>10/16/2019</a:t>
             </a:fld>
             <a:endParaRPr lang="en-US" dirty="0"/>
           </a:p>
@@ -1862,7 +1862,7 @@
           <a:p>
             <a:fld id="{921D9284-D300-4297-87F7-E791DCC15DB1}" type="datetimeFigureOut">
               <a:rPr lang="en-US" smtClean="0"/>
-              <a:t>10/10/2019</a:t>
+              <a:t>10/16/2019</a:t>
             </a:fld>
             <a:endParaRPr lang="en-US" dirty="0"/>
           </a:p>
@@ -2144,7 +2144,7 @@
           <a:p>
             <a:fld id="{37D525BB-DA17-4BA0-B3C8-3AC3ABC827E6}" type="datetimeFigureOut">
               <a:rPr lang="en-US" smtClean="0"/>
-              <a:t>10/10/2019</a:t>
+              <a:t>10/16/2019</a:t>
             </a:fld>
             <a:endParaRPr lang="en-US" dirty="0"/>
           </a:p>
@@ -2406,7 +2406,7 @@
           <a:p>
             <a:fld id="{B16C4C9A-3960-41CF-A4E9-2A8FB932454B}" type="datetimeFigureOut">
               <a:rPr lang="en-US" smtClean="0"/>
-              <a:t>10/10/2019</a:t>
+              <a:t>10/16/2019</a:t>
             </a:fld>
             <a:endParaRPr lang="en-US" dirty="0"/>
           </a:p>
@@ -2624,7 +2624,7 @@
           <a:p>
             <a:fld id="{3CBC1C18-307B-4F68-A007-B5B542270E8D}" type="datetimeFigureOut">
               <a:rPr lang="en-US" smtClean="0"/>
-              <a:t>10/10/2019</a:t>
+              <a:t>10/16/2019</a:t>
             </a:fld>
             <a:endParaRPr lang="en-US" dirty="0"/>
           </a:p>
@@ -3038,7 +3038,7 @@
       </p:grpSpPr>
       <p:pic>
         <p:nvPicPr>
-          <p:cNvPr id="9" name="Picture 8"/>
+          <p:cNvPr id="4" name="Picture 3"/>
           <p:cNvPicPr>
             <a:picLocks noChangeAspect="1"/>
           </p:cNvPicPr>
@@ -3052,17 +3052,57 @@
         </p:blipFill>
         <p:spPr>
           <a:xfrm>
-            <a:off x="555419" y="242539"/>
-            <a:ext cx="2017963" cy="2178387"/>
+            <a:off x="4684485" y="1297604"/>
+            <a:ext cx="1901091" cy="1664686"/>
           </a:xfrm>
           <a:prstGeom prst="rect">
             <a:avLst/>
           </a:prstGeom>
         </p:spPr>
       </p:pic>
+      <p:sp>
+        <p:nvSpPr>
+          <p:cNvPr id="5" name="Rounded Rectangle 4"/>
+          <p:cNvSpPr/>
+          <p:nvPr/>
+        </p:nvSpPr>
+        <p:spPr>
+          <a:xfrm>
+            <a:off x="6688289" y="546927"/>
+            <a:ext cx="1500442" cy="1402903"/>
+          </a:xfrm>
+          <a:prstGeom prst="roundRect">
+            <a:avLst>
+              <a:gd name="adj" fmla="val 9574"/>
+            </a:avLst>
+          </a:prstGeom>
+        </p:spPr>
+        <p:style>
+          <a:lnRef idx="2">
+            <a:schemeClr val="accent6"/>
+          </a:lnRef>
+          <a:fillRef idx="1">
+            <a:schemeClr val="lt1"/>
+          </a:fillRef>
+          <a:effectRef idx="0">
+            <a:schemeClr val="accent6"/>
+          </a:effectRef>
+          <a:fontRef idx="minor">
+            <a:schemeClr val="dk1"/>
+          </a:fontRef>
+        </p:style>
+        <p:txBody>
+          <a:bodyPr rtlCol="0" anchor="ctr"/>
+          <a:lstStyle/>
+          <a:p>
+            <a:pPr algn="ctr"/>
+            <a:endParaRPr lang="pt-BR" dirty="0" smtClean="0"/>
+          </a:p>
+        </p:txBody>
+      </p:sp>
       <p:pic>
         <p:nvPicPr>
-          <p:cNvPr id="10" name="Picture 9"/>
+          <p:cNvPr id="6" name="Picture 5"/>
           <p:cNvPicPr>
             <a:picLocks noChangeAspect="1"/>
           </p:cNvPicPr>
@@ -3076,8 +3116,80 @@
         </p:blipFill>
         <p:spPr>
           <a:xfrm>
-            <a:off x="5507832" y="3687963"/>
-            <a:ext cx="1525797" cy="1735290"/>
+            <a:off x="10412700" y="243973"/>
+            <a:ext cx="1520001" cy="1004406"/>
+          </a:xfrm>
+          <a:prstGeom prst="rect">
+            <a:avLst/>
+          </a:prstGeom>
+        </p:spPr>
+      </p:pic>
+      <p:pic>
+        <p:nvPicPr>
+          <p:cNvPr id="7" name="Picture 6"/>
+          <p:cNvPicPr>
+            <a:picLocks noChangeAspect="1"/>
+          </p:cNvPicPr>
+          <p:nvPr/>
+        </p:nvPicPr>
+        <p:blipFill>
+          <a:blip r:embed="rId4"/>
+          <a:stretch>
+            <a:fillRect/>
+          </a:stretch>
+        </p:blipFill>
+        <p:spPr>
+          <a:xfrm>
+            <a:off x="4604788" y="890435"/>
+            <a:ext cx="1876500" cy="560201"/>
+          </a:xfrm>
+          <a:prstGeom prst="rect">
+            <a:avLst/>
+          </a:prstGeom>
+        </p:spPr>
+      </p:pic>
+      <p:pic>
+        <p:nvPicPr>
+          <p:cNvPr id="8" name="Picture 7"/>
+          <p:cNvPicPr>
+            <a:picLocks noChangeAspect="1"/>
+          </p:cNvPicPr>
+          <p:nvPr/>
+        </p:nvPicPr>
+        <p:blipFill>
+          <a:blip r:embed="rId5"/>
+          <a:stretch>
+            <a:fillRect/>
+          </a:stretch>
+        </p:blipFill>
+        <p:spPr>
+          <a:xfrm>
+            <a:off x="6909994" y="620151"/>
+            <a:ext cx="1111813" cy="825143"/>
+          </a:xfrm>
+          <a:prstGeom prst="rect">
+            <a:avLst/>
+          </a:prstGeom>
+        </p:spPr>
+      </p:pic>
+      <p:pic>
+        <p:nvPicPr>
+          <p:cNvPr id="9" name="Picture 8"/>
+          <p:cNvPicPr>
+            <a:picLocks noChangeAspect="1"/>
+          </p:cNvPicPr>
+          <p:nvPr/>
+        </p:nvPicPr>
+        <p:blipFill>
+          <a:blip r:embed="rId6"/>
+          <a:stretch>
+            <a:fillRect/>
+          </a:stretch>
+        </p:blipFill>
+        <p:spPr>
+          <a:xfrm>
+            <a:off x="7063039" y="1445294"/>
+            <a:ext cx="972647" cy="385473"/>
           </a:xfrm>
           <a:prstGeom prst="rect">
             <a:avLst/>
@@ -3093,15 +3205,39 @@
           <p:nvPr/>
         </p:nvPicPr>
         <p:blipFill>
-          <a:blip r:embed="rId4"/>
+          <a:blip r:embed="rId7"/>
           <a:stretch>
             <a:fillRect/>
           </a:stretch>
         </p:blipFill>
         <p:spPr>
           <a:xfrm>
-            <a:off x="226242" y="2923281"/>
-            <a:ext cx="3648683" cy="3256173"/>
+            <a:off x="8410686" y="3341160"/>
+            <a:ext cx="2359841" cy="1256966"/>
+          </a:xfrm>
+          <a:prstGeom prst="rect">
+            <a:avLst/>
+          </a:prstGeom>
+        </p:spPr>
+      </p:pic>
+      <p:pic>
+        <p:nvPicPr>
+          <p:cNvPr id="12" name="Picture 11"/>
+          <p:cNvPicPr>
+            <a:picLocks noChangeAspect="1"/>
+          </p:cNvPicPr>
+          <p:nvPr/>
+        </p:nvPicPr>
+        <p:blipFill>
+          <a:blip r:embed="rId8"/>
+          <a:stretch>
+            <a:fillRect/>
+          </a:stretch>
+        </p:blipFill>
+        <p:spPr>
+          <a:xfrm>
+            <a:off x="9984264" y="2482581"/>
+            <a:ext cx="1572526" cy="1487062"/>
           </a:xfrm>
           <a:prstGeom prst="rect">
             <a:avLst/>
@@ -3117,15 +3253,15 @@
           <p:nvPr/>
         </p:nvPicPr>
         <p:blipFill>
-          <a:blip r:embed="rId5"/>
+          <a:blip r:embed="rId9"/>
           <a:stretch>
             <a:fillRect/>
           </a:stretch>
         </p:blipFill>
         <p:spPr>
           <a:xfrm>
-            <a:off x="8430687" y="242539"/>
-            <a:ext cx="1885512" cy="1664686"/>
+            <a:off x="225291" y="218619"/>
+            <a:ext cx="2383365" cy="1612148"/>
           </a:xfrm>
           <a:prstGeom prst="rect">
             <a:avLst/>
@@ -3141,15 +3277,15 @@
           <p:nvPr/>
         </p:nvPicPr>
         <p:blipFill>
-          <a:blip r:embed="rId6"/>
+          <a:blip r:embed="rId10"/>
           <a:stretch>
             <a:fillRect/>
           </a:stretch>
         </p:blipFill>
         <p:spPr>
           <a:xfrm>
-            <a:off x="8075418" y="3307983"/>
-            <a:ext cx="2824922" cy="2486771"/>
+            <a:off x="280251" y="4005867"/>
+            <a:ext cx="1525797" cy="1735290"/>
           </a:xfrm>
           <a:prstGeom prst="rect">
             <a:avLst/>
@@ -3165,15 +3301,15 @@
           <p:nvPr/>
         </p:nvPicPr>
         <p:blipFill>
-          <a:blip r:embed="rId7"/>
+          <a:blip r:embed="rId11"/>
           <a:stretch>
             <a:fillRect/>
           </a:stretch>
         </p:blipFill>
         <p:spPr>
           <a:xfrm>
-            <a:off x="10205436" y="242539"/>
-            <a:ext cx="592079" cy="461796"/>
+            <a:off x="1616035" y="2603526"/>
+            <a:ext cx="2827040" cy="2522919"/>
           </a:xfrm>
           <a:prstGeom prst="rect">
             <a:avLst/>
@@ -3182,18 +3318,21 @@
       </p:pic>
       <p:cxnSp>
         <p:nvCxnSpPr>
-          <p:cNvPr id="20" name="Straight Connector 19"/>
+          <p:cNvPr id="58" name="Straight Arrow Connector 57"/>
           <p:cNvCxnSpPr/>
           <p:nvPr/>
         </p:nvCxnSpPr>
         <p:spPr>
-          <a:xfrm flipH="1" flipV="1">
-            <a:off x="7002127" y="3687963"/>
-            <a:ext cx="1606296" cy="1017605"/>
-          </a:xfrm>
-          <a:prstGeom prst="line">
-            <a:avLst/>
-          </a:prstGeom>
+          <a:xfrm flipH="1">
+            <a:off x="8298256" y="1024693"/>
+            <a:ext cx="2114444" cy="0"/>
+          </a:xfrm>
+          <a:prstGeom prst="straightConnector1">
+            <a:avLst/>
+          </a:prstGeom>
+          <a:ln>
+            <a:tailEnd type="triangle"/>
+          </a:ln>
         </p:spPr>
         <p:style>
           <a:lnRef idx="1">
@@ -3212,18 +3351,23 @@
       </p:cxnSp>
       <p:cxnSp>
         <p:nvCxnSpPr>
-          <p:cNvPr id="22" name="Straight Connector 21"/>
+          <p:cNvPr id="94" name="Elbow Connector 93"/>
           <p:cNvCxnSpPr/>
           <p:nvPr/>
         </p:nvCxnSpPr>
         <p:spPr>
           <a:xfrm flipV="1">
-            <a:off x="8012676" y="4846320"/>
-            <a:ext cx="125484" cy="78377"/>
-          </a:xfrm>
-          <a:prstGeom prst="line">
-            <a:avLst/>
-          </a:prstGeom>
+            <a:off x="470263" y="2401706"/>
+            <a:ext cx="4026722" cy="1522499"/>
+          </a:xfrm>
+          <a:prstGeom prst="bentConnector3">
+            <a:avLst>
+              <a:gd name="adj1" fmla="val 42"/>
+            </a:avLst>
+          </a:prstGeom>
+          <a:ln>
+            <a:tailEnd type="triangle"/>
+          </a:ln>
         </p:spPr>
         <p:style>
           <a:lnRef idx="1">
@@ -3242,18 +3386,23 @@
       </p:cxnSp>
       <p:cxnSp>
         <p:nvCxnSpPr>
-          <p:cNvPr id="26" name="Straight Connector 25"/>
+          <p:cNvPr id="98" name="Elbow Connector 97"/>
           <p:cNvCxnSpPr/>
           <p:nvPr/>
         </p:nvCxnSpPr>
         <p:spPr>
-          <a:xfrm flipH="1">
-            <a:off x="7002127" y="4885508"/>
-            <a:ext cx="1606296" cy="607038"/>
-          </a:xfrm>
-          <a:prstGeom prst="line">
-            <a:avLst/>
-          </a:prstGeom>
+          <a:xfrm rot="16200000" flipH="1">
+            <a:off x="7727573" y="2140349"/>
+            <a:ext cx="1009423" cy="926355"/>
+          </a:xfrm>
+          <a:prstGeom prst="bentConnector3">
+            <a:avLst>
+              <a:gd name="adj1" fmla="val 50000"/>
+            </a:avLst>
+          </a:prstGeom>
+          <a:ln>
+            <a:tailEnd type="triangle"/>
+          </a:ln>
         </p:spPr>
         <p:style>
           <a:lnRef idx="1">
@@ -3272,14 +3421,14 @@
       </p:cxnSp>
       <p:cxnSp>
         <p:nvCxnSpPr>
-          <p:cNvPr id="35" name="Straight Connector 34"/>
+          <p:cNvPr id="109" name="Straight Connector 108"/>
           <p:cNvCxnSpPr/>
           <p:nvPr/>
         </p:nvCxnSpPr>
         <p:spPr>
           <a:xfrm>
-            <a:off x="3200400" y="1331732"/>
-            <a:ext cx="4310743" cy="0"/>
+            <a:off x="2886591" y="750984"/>
+            <a:ext cx="3698985" cy="0"/>
           </a:xfrm>
           <a:prstGeom prst="line">
             <a:avLst/>
@@ -3302,18 +3451,23 @@
       </p:cxnSp>
       <p:cxnSp>
         <p:nvCxnSpPr>
-          <p:cNvPr id="37" name="Straight Connector 36"/>
+          <p:cNvPr id="111" name="Elbow Connector 110"/>
           <p:cNvCxnSpPr/>
           <p:nvPr/>
         </p:nvCxnSpPr>
         <p:spPr>
-          <a:xfrm>
-            <a:off x="9487879" y="2197688"/>
-            <a:ext cx="0" cy="1110295"/>
-          </a:xfrm>
-          <a:prstGeom prst="line">
-            <a:avLst/>
-          </a:prstGeom>
+          <a:xfrm rot="10800000" flipV="1">
+            <a:off x="9183752" y="4134039"/>
+            <a:ext cx="1988949" cy="1942292"/>
+          </a:xfrm>
+          <a:prstGeom prst="bentConnector3">
+            <a:avLst>
+              <a:gd name="adj1" fmla="val 85"/>
+            </a:avLst>
+          </a:prstGeom>
+          <a:ln>
+            <a:tailEnd type="triangle"/>
+          </a:ln>
         </p:spPr>
         <p:style>
           <a:lnRef idx="1">
@@ -3332,18 +3486,23 @@
       </p:cxnSp>
       <p:cxnSp>
         <p:nvCxnSpPr>
-          <p:cNvPr id="39" name="Straight Connector 38"/>
+          <p:cNvPr id="114" name="Elbow Connector 113"/>
           <p:cNvCxnSpPr/>
           <p:nvPr/>
         </p:nvCxnSpPr>
         <p:spPr>
-          <a:xfrm>
-            <a:off x="3955693" y="2938612"/>
-            <a:ext cx="1552139" cy="1450508"/>
-          </a:xfrm>
-          <a:prstGeom prst="line">
-            <a:avLst/>
-          </a:prstGeom>
+          <a:xfrm flipV="1">
+            <a:off x="6688289" y="2129947"/>
+            <a:ext cx="496282" cy="352634"/>
+          </a:xfrm>
+          <a:prstGeom prst="bentConnector3">
+            <a:avLst>
+              <a:gd name="adj1" fmla="val 105275"/>
+            </a:avLst>
+          </a:prstGeom>
+          <a:ln>
+            <a:tailEnd type="triangle"/>
+          </a:ln>
         </p:spPr>
         <p:style>
           <a:lnRef idx="1">
@@ -3360,40 +3519,318 @@
           </a:fontRef>
         </p:style>
       </p:cxnSp>
-      <p:cxnSp>
-        <p:nvCxnSpPr>
-          <p:cNvPr id="40" name="Straight Connector 39"/>
-          <p:cNvCxnSpPr/>
-          <p:nvPr/>
-        </p:nvCxnSpPr>
-        <p:spPr>
-          <a:xfrm flipV="1">
-            <a:off x="3929354" y="5042263"/>
-            <a:ext cx="1578478" cy="1151580"/>
-          </a:xfrm>
-          <a:prstGeom prst="line">
-            <a:avLst/>
-          </a:prstGeom>
-        </p:spPr>
-        <p:style>
-          <a:lnRef idx="1">
-            <a:schemeClr val="accent1"/>
-          </a:lnRef>
-          <a:fillRef idx="0">
-            <a:schemeClr val="accent1"/>
-          </a:fillRef>
-          <a:effectRef idx="0">
-            <a:schemeClr val="accent1"/>
-          </a:effectRef>
-          <a:fontRef idx="minor">
-            <a:schemeClr val="tx1"/>
-          </a:fontRef>
-        </p:style>
-      </p:cxnSp>
+      <p:pic>
+        <p:nvPicPr>
+          <p:cNvPr id="117" name="Picture 116"/>
+          <p:cNvPicPr>
+            <a:picLocks noChangeAspect="1"/>
+          </p:cNvPicPr>
+          <p:nvPr/>
+        </p:nvPicPr>
+        <p:blipFill>
+          <a:blip r:embed="rId12"/>
+          <a:stretch>
+            <a:fillRect/>
+          </a:stretch>
+        </p:blipFill>
+        <p:spPr>
+          <a:xfrm>
+            <a:off x="10505155" y="1283537"/>
+            <a:ext cx="1335090" cy="534036"/>
+          </a:xfrm>
+          <a:prstGeom prst="rect">
+            <a:avLst/>
+          </a:prstGeom>
+        </p:spPr>
+      </p:pic>
+      <p:sp>
+        <p:nvSpPr>
+          <p:cNvPr id="119" name="TextBox 118"/>
+          <p:cNvSpPr txBox="1"/>
+          <p:nvPr/>
+        </p:nvSpPr>
+        <p:spPr>
+          <a:xfrm>
+            <a:off x="9748381" y="4605778"/>
+            <a:ext cx="2270700" cy="369332"/>
+          </a:xfrm>
+          <a:prstGeom prst="rect">
+            <a:avLst/>
+          </a:prstGeom>
+          <a:noFill/>
+        </p:spPr>
+        <p:txBody>
+          <a:bodyPr wrap="square" rtlCol="0">
+            <a:spAutoFit/>
+          </a:bodyPr>
+          <a:lstStyle/>
+          <a:p>
+            <a:r>
+              <a:rPr lang="pt-BR" dirty="0" smtClean="0"/>
+              <a:t>Site Web</a:t>
+            </a:r>
+            <a:endParaRPr lang="en-US" dirty="0"/>
+          </a:p>
+        </p:txBody>
+      </p:sp>
+      <p:sp>
+        <p:nvSpPr>
+          <p:cNvPr id="120" name="TextBox 119"/>
+          <p:cNvSpPr txBox="1"/>
+          <p:nvPr/>
+        </p:nvSpPr>
+        <p:spPr>
+          <a:xfrm>
+            <a:off x="9590606" y="82171"/>
+            <a:ext cx="1413406" cy="369332"/>
+          </a:xfrm>
+          <a:prstGeom prst="rect">
+            <a:avLst/>
+          </a:prstGeom>
+          <a:noFill/>
+        </p:spPr>
+        <p:txBody>
+          <a:bodyPr wrap="square" rtlCol="0">
+            <a:spAutoFit/>
+          </a:bodyPr>
+          <a:lstStyle/>
+          <a:p>
+            <a:r>
+              <a:rPr lang="pt-BR" dirty="0" smtClean="0"/>
+              <a:t>Repositório</a:t>
+            </a:r>
+            <a:endParaRPr lang="en-US" dirty="0"/>
+          </a:p>
+        </p:txBody>
+      </p:sp>
+      <p:sp>
+        <p:nvSpPr>
+          <p:cNvPr id="121" name="TextBox 120"/>
+          <p:cNvSpPr txBox="1"/>
+          <p:nvPr/>
+        </p:nvSpPr>
+        <p:spPr>
+          <a:xfrm>
+            <a:off x="4749795" y="2887055"/>
+            <a:ext cx="1861442" cy="646331"/>
+          </a:xfrm>
+          <a:prstGeom prst="rect">
+            <a:avLst/>
+          </a:prstGeom>
+          <a:noFill/>
+        </p:spPr>
+        <p:txBody>
+          <a:bodyPr wrap="square" rtlCol="0">
+            <a:spAutoFit/>
+          </a:bodyPr>
+          <a:lstStyle/>
+          <a:p>
+            <a:r>
+              <a:rPr lang="pt-BR" dirty="0" smtClean="0"/>
+              <a:t>Banco Relacional</a:t>
+            </a:r>
+          </a:p>
+          <a:p>
+            <a:endParaRPr lang="en-US" dirty="0"/>
+          </a:p>
+        </p:txBody>
+      </p:sp>
+      <p:sp>
+        <p:nvSpPr>
+          <p:cNvPr id="122" name="TextBox 121"/>
+          <p:cNvSpPr txBox="1"/>
+          <p:nvPr/>
+        </p:nvSpPr>
+        <p:spPr>
+          <a:xfrm>
+            <a:off x="1970064" y="5232857"/>
+            <a:ext cx="1507756" cy="369332"/>
+          </a:xfrm>
+          <a:prstGeom prst="rect">
+            <a:avLst/>
+          </a:prstGeom>
+          <a:noFill/>
+        </p:spPr>
+        <p:txBody>
+          <a:bodyPr wrap="square" rtlCol="0">
+            <a:spAutoFit/>
+          </a:bodyPr>
+          <a:lstStyle/>
+          <a:p>
+            <a:r>
+              <a:rPr lang="pt-BR" dirty="0" smtClean="0"/>
+              <a:t>API OSHI</a:t>
+            </a:r>
+            <a:endParaRPr lang="en-US" dirty="0"/>
+          </a:p>
+        </p:txBody>
+      </p:sp>
+      <p:sp>
+        <p:nvSpPr>
+          <p:cNvPr id="123" name="TextBox 122"/>
+          <p:cNvSpPr txBox="1"/>
+          <p:nvPr/>
+        </p:nvSpPr>
+        <p:spPr>
+          <a:xfrm>
+            <a:off x="9170686" y="6368817"/>
+            <a:ext cx="2002014" cy="371546"/>
+          </a:xfrm>
+          <a:prstGeom prst="rect">
+            <a:avLst/>
+          </a:prstGeom>
+          <a:noFill/>
+        </p:spPr>
+        <p:txBody>
+          <a:bodyPr wrap="square" rtlCol="0">
+            <a:spAutoFit/>
+          </a:bodyPr>
+          <a:lstStyle/>
+          <a:p>
+            <a:r>
+              <a:rPr lang="pt-BR" dirty="0" err="1" smtClean="0"/>
+              <a:t>Dashboard</a:t>
+            </a:r>
+            <a:endParaRPr lang="en-US" dirty="0"/>
+          </a:p>
+        </p:txBody>
+      </p:sp>
+      <p:sp>
+        <p:nvSpPr>
+          <p:cNvPr id="124" name="TextBox 123"/>
+          <p:cNvSpPr txBox="1"/>
+          <p:nvPr/>
+        </p:nvSpPr>
+        <p:spPr>
+          <a:xfrm>
+            <a:off x="2788627" y="140756"/>
+            <a:ext cx="2003150" cy="369332"/>
+          </a:xfrm>
+          <a:prstGeom prst="rect">
+            <a:avLst/>
+          </a:prstGeom>
+          <a:noFill/>
+        </p:spPr>
+        <p:txBody>
+          <a:bodyPr wrap="square" rtlCol="0">
+            <a:spAutoFit/>
+          </a:bodyPr>
+          <a:lstStyle/>
+          <a:p>
+            <a:r>
+              <a:rPr lang="pt-BR" dirty="0" smtClean="0"/>
+              <a:t>API notificação</a:t>
+            </a:r>
+            <a:endParaRPr lang="en-US" dirty="0"/>
+          </a:p>
+        </p:txBody>
+      </p:sp>
+      <p:pic>
+        <p:nvPicPr>
+          <p:cNvPr id="134" name="Picture 133"/>
+          <p:cNvPicPr>
+            <a:picLocks noChangeAspect="1"/>
+          </p:cNvPicPr>
+          <p:nvPr/>
+        </p:nvPicPr>
+        <p:blipFill>
+          <a:blip r:embed="rId13"/>
+          <a:stretch>
+            <a:fillRect/>
+          </a:stretch>
+        </p:blipFill>
+        <p:spPr>
+          <a:xfrm>
+            <a:off x="4749795" y="3706692"/>
+            <a:ext cx="3340749" cy="1819811"/>
+          </a:xfrm>
+          <a:prstGeom prst="rect">
+            <a:avLst/>
+          </a:prstGeom>
+        </p:spPr>
+      </p:pic>
+      <p:pic>
+        <p:nvPicPr>
+          <p:cNvPr id="135" name="Picture 134"/>
+          <p:cNvPicPr>
+            <a:picLocks noChangeAspect="1"/>
+          </p:cNvPicPr>
+          <p:nvPr/>
+        </p:nvPicPr>
+        <p:blipFill>
+          <a:blip r:embed="rId14"/>
+          <a:stretch>
+            <a:fillRect/>
+          </a:stretch>
+        </p:blipFill>
+        <p:spPr>
+          <a:xfrm>
+            <a:off x="6077212" y="4984163"/>
+            <a:ext cx="2944299" cy="1770558"/>
+          </a:xfrm>
+          <a:prstGeom prst="rect">
+            <a:avLst/>
+          </a:prstGeom>
+        </p:spPr>
+      </p:pic>
+      <p:sp>
+        <p:nvSpPr>
+          <p:cNvPr id="136" name="TextBox 135"/>
+          <p:cNvSpPr txBox="1"/>
+          <p:nvPr/>
+        </p:nvSpPr>
+        <p:spPr>
+          <a:xfrm>
+            <a:off x="3921294" y="5711349"/>
+            <a:ext cx="1526381" cy="369332"/>
+          </a:xfrm>
+          <a:prstGeom prst="rect">
+            <a:avLst/>
+          </a:prstGeom>
+          <a:noFill/>
+        </p:spPr>
+        <p:txBody>
+          <a:bodyPr wrap="square" rtlCol="0">
+            <a:spAutoFit/>
+          </a:bodyPr>
+          <a:lstStyle/>
+          <a:p>
+            <a:r>
+              <a:rPr lang="pt-BR" dirty="0" err="1" smtClean="0"/>
+              <a:t>TeamViewer</a:t>
+            </a:r>
+            <a:endParaRPr lang="en-US" dirty="0"/>
+          </a:p>
+        </p:txBody>
+      </p:sp>
+      <p:pic>
+        <p:nvPicPr>
+          <p:cNvPr id="29" name="Picture 28"/>
+          <p:cNvPicPr>
+            <a:picLocks noChangeAspect="1"/>
+          </p:cNvPicPr>
+          <p:nvPr/>
+        </p:nvPicPr>
+        <p:blipFill>
+          <a:blip r:embed="rId15"/>
+          <a:stretch>
+            <a:fillRect/>
+          </a:stretch>
+        </p:blipFill>
+        <p:spPr>
+          <a:xfrm>
+            <a:off x="5200448" y="1799636"/>
+            <a:ext cx="869164" cy="794967"/>
+          </a:xfrm>
+          <a:prstGeom prst="rect">
+            <a:avLst/>
+          </a:prstGeom>
+        </p:spPr>
+      </p:pic>
     </p:spTree>
     <p:extLst>
       <p:ext uri="{BB962C8B-B14F-4D97-AF65-F5344CB8AC3E}">
-        <p14:creationId xmlns:p14="http://schemas.microsoft.com/office/powerpoint/2010/main" val="2366977670"/>
+        <p14:creationId xmlns:p14="http://schemas.microsoft.com/office/powerpoint/2010/main" val="623803784"/>
       </p:ext>
     </p:extLst>
   </p:cSld>
@@ -3659,54 +4096,6 @@
           </a:prstGeom>
         </p:spPr>
       </p:pic>
-      <p:pic>
-        <p:nvPicPr>
-          <p:cNvPr id="17" name="Picture 16"/>
-          <p:cNvPicPr>
-            <a:picLocks noChangeAspect="1"/>
-          </p:cNvPicPr>
-          <p:nvPr/>
-        </p:nvPicPr>
-        <p:blipFill>
-          <a:blip r:embed="rId10"/>
-          <a:stretch>
-            <a:fillRect/>
-          </a:stretch>
-        </p:blipFill>
-        <p:spPr>
-          <a:xfrm>
-            <a:off x="280251" y="4005867"/>
-            <a:ext cx="1525797" cy="1735290"/>
-          </a:xfrm>
-          <a:prstGeom prst="rect">
-            <a:avLst/>
-          </a:prstGeom>
-        </p:spPr>
-      </p:pic>
-      <p:pic>
-        <p:nvPicPr>
-          <p:cNvPr id="18" name="Picture 17"/>
-          <p:cNvPicPr>
-            <a:picLocks noChangeAspect="1"/>
-          </p:cNvPicPr>
-          <p:nvPr/>
-        </p:nvPicPr>
-        <p:blipFill>
-          <a:blip r:embed="rId11"/>
-          <a:stretch>
-            <a:fillRect/>
-          </a:stretch>
-        </p:blipFill>
-        <p:spPr>
-          <a:xfrm>
-            <a:off x="1616035" y="2603526"/>
-            <a:ext cx="2827040" cy="2522919"/>
-          </a:xfrm>
-          <a:prstGeom prst="rect">
-            <a:avLst/>
-          </a:prstGeom>
-        </p:spPr>
-      </p:pic>
       <p:cxnSp>
         <p:nvCxnSpPr>
           <p:cNvPr id="58" name="Straight Arrow Connector 57"/>
@@ -3720,41 +4109,6 @@
           </a:xfrm>
           <a:prstGeom prst="straightConnector1">
             <a:avLst/>
-          </a:prstGeom>
-          <a:ln>
-            <a:tailEnd type="triangle"/>
-          </a:ln>
-        </p:spPr>
-        <p:style>
-          <a:lnRef idx="1">
-            <a:schemeClr val="accent1"/>
-          </a:lnRef>
-          <a:fillRef idx="0">
-            <a:schemeClr val="accent1"/>
-          </a:fillRef>
-          <a:effectRef idx="0">
-            <a:schemeClr val="accent1"/>
-          </a:effectRef>
-          <a:fontRef idx="minor">
-            <a:schemeClr val="tx1"/>
-          </a:fontRef>
-        </p:style>
-      </p:cxnSp>
-      <p:cxnSp>
-        <p:nvCxnSpPr>
-          <p:cNvPr id="94" name="Elbow Connector 93"/>
-          <p:cNvCxnSpPr/>
-          <p:nvPr/>
-        </p:nvCxnSpPr>
-        <p:spPr>
-          <a:xfrm flipV="1">
-            <a:off x="470263" y="2401706"/>
-            <a:ext cx="4026722" cy="1522499"/>
-          </a:xfrm>
-          <a:prstGeom prst="bentConnector3">
-            <a:avLst>
-              <a:gd name="adj1" fmla="val 42"/>
-            </a:avLst>
           </a:prstGeom>
           <a:ln>
             <a:tailEnd type="triangle"/>
@@ -3848,12 +4202,12 @@
         </p:nvCxnSpPr>
         <p:spPr>
           <a:xfrm rot="10800000" flipV="1">
-            <a:off x="9183752" y="4134039"/>
-            <a:ext cx="1988949" cy="1942292"/>
+            <a:off x="8410686" y="4134039"/>
+            <a:ext cx="2762016" cy="1857794"/>
           </a:xfrm>
           <a:prstGeom prst="bentConnector3">
             <a:avLst>
-              <a:gd name="adj1" fmla="val 85"/>
+              <a:gd name="adj1" fmla="val 341"/>
             </a:avLst>
           </a:prstGeom>
           <a:ln>
@@ -3919,6 +4273,236 @@
           <p:nvPr/>
         </p:nvPicPr>
         <p:blipFill>
+          <a:blip r:embed="rId10"/>
+          <a:stretch>
+            <a:fillRect/>
+          </a:stretch>
+        </p:blipFill>
+        <p:spPr>
+          <a:xfrm>
+            <a:off x="10505155" y="1283537"/>
+            <a:ext cx="1335090" cy="534036"/>
+          </a:xfrm>
+          <a:prstGeom prst="rect">
+            <a:avLst/>
+          </a:prstGeom>
+        </p:spPr>
+      </p:pic>
+      <p:sp>
+        <p:nvSpPr>
+          <p:cNvPr id="119" name="TextBox 118"/>
+          <p:cNvSpPr txBox="1"/>
+          <p:nvPr/>
+        </p:nvSpPr>
+        <p:spPr>
+          <a:xfrm>
+            <a:off x="9748381" y="4605778"/>
+            <a:ext cx="2270700" cy="369332"/>
+          </a:xfrm>
+          <a:prstGeom prst="rect">
+            <a:avLst/>
+          </a:prstGeom>
+          <a:noFill/>
+        </p:spPr>
+        <p:txBody>
+          <a:bodyPr wrap="square" rtlCol="0">
+            <a:spAutoFit/>
+          </a:bodyPr>
+          <a:lstStyle/>
+          <a:p>
+            <a:r>
+              <a:rPr lang="pt-BR" dirty="0" smtClean="0"/>
+              <a:t>Site Web</a:t>
+            </a:r>
+            <a:endParaRPr lang="en-US" dirty="0"/>
+          </a:p>
+        </p:txBody>
+      </p:sp>
+      <p:sp>
+        <p:nvSpPr>
+          <p:cNvPr id="120" name="TextBox 119"/>
+          <p:cNvSpPr txBox="1"/>
+          <p:nvPr/>
+        </p:nvSpPr>
+        <p:spPr>
+          <a:xfrm>
+            <a:off x="9590606" y="82171"/>
+            <a:ext cx="1413406" cy="369332"/>
+          </a:xfrm>
+          <a:prstGeom prst="rect">
+            <a:avLst/>
+          </a:prstGeom>
+          <a:noFill/>
+        </p:spPr>
+        <p:txBody>
+          <a:bodyPr wrap="square" rtlCol="0">
+            <a:spAutoFit/>
+          </a:bodyPr>
+          <a:lstStyle/>
+          <a:p>
+            <a:r>
+              <a:rPr lang="pt-BR" dirty="0" smtClean="0"/>
+              <a:t>Repositório</a:t>
+            </a:r>
+            <a:endParaRPr lang="en-US" dirty="0"/>
+          </a:p>
+        </p:txBody>
+      </p:sp>
+      <p:sp>
+        <p:nvSpPr>
+          <p:cNvPr id="121" name="TextBox 120"/>
+          <p:cNvSpPr txBox="1"/>
+          <p:nvPr/>
+        </p:nvSpPr>
+        <p:spPr>
+          <a:xfrm>
+            <a:off x="4749795" y="2887055"/>
+            <a:ext cx="1861442" cy="646331"/>
+          </a:xfrm>
+          <a:prstGeom prst="rect">
+            <a:avLst/>
+          </a:prstGeom>
+          <a:noFill/>
+        </p:spPr>
+        <p:txBody>
+          <a:bodyPr wrap="square" rtlCol="0">
+            <a:spAutoFit/>
+          </a:bodyPr>
+          <a:lstStyle/>
+          <a:p>
+            <a:r>
+              <a:rPr lang="pt-BR" dirty="0" smtClean="0"/>
+              <a:t>Banco Relacional</a:t>
+            </a:r>
+          </a:p>
+          <a:p>
+            <a:endParaRPr lang="en-US" dirty="0"/>
+          </a:p>
+        </p:txBody>
+      </p:sp>
+      <p:sp>
+        <p:nvSpPr>
+          <p:cNvPr id="122" name="TextBox 121"/>
+          <p:cNvSpPr txBox="1"/>
+          <p:nvPr/>
+        </p:nvSpPr>
+        <p:spPr>
+          <a:xfrm>
+            <a:off x="3036324" y="3867237"/>
+            <a:ext cx="1507756" cy="369332"/>
+          </a:xfrm>
+          <a:prstGeom prst="rect">
+            <a:avLst/>
+          </a:prstGeom>
+          <a:noFill/>
+        </p:spPr>
+        <p:txBody>
+          <a:bodyPr wrap="square" rtlCol="0">
+            <a:spAutoFit/>
+          </a:bodyPr>
+          <a:lstStyle/>
+          <a:p>
+            <a:r>
+              <a:rPr lang="pt-BR" dirty="0" smtClean="0"/>
+              <a:t>API OSHI</a:t>
+            </a:r>
+            <a:endParaRPr lang="en-US" dirty="0"/>
+          </a:p>
+        </p:txBody>
+      </p:sp>
+      <p:sp>
+        <p:nvSpPr>
+          <p:cNvPr id="123" name="TextBox 122"/>
+          <p:cNvSpPr txBox="1"/>
+          <p:nvPr/>
+        </p:nvSpPr>
+        <p:spPr>
+          <a:xfrm>
+            <a:off x="9170686" y="6368817"/>
+            <a:ext cx="2002014" cy="371546"/>
+          </a:xfrm>
+          <a:prstGeom prst="rect">
+            <a:avLst/>
+          </a:prstGeom>
+          <a:noFill/>
+        </p:spPr>
+        <p:txBody>
+          <a:bodyPr wrap="square" rtlCol="0">
+            <a:spAutoFit/>
+          </a:bodyPr>
+          <a:lstStyle/>
+          <a:p>
+            <a:r>
+              <a:rPr lang="pt-BR" dirty="0" err="1" smtClean="0"/>
+              <a:t>Dashboard</a:t>
+            </a:r>
+            <a:endParaRPr lang="en-US" dirty="0"/>
+          </a:p>
+        </p:txBody>
+      </p:sp>
+      <p:sp>
+        <p:nvSpPr>
+          <p:cNvPr id="124" name="TextBox 123"/>
+          <p:cNvSpPr txBox="1"/>
+          <p:nvPr/>
+        </p:nvSpPr>
+        <p:spPr>
+          <a:xfrm>
+            <a:off x="2788627" y="140756"/>
+            <a:ext cx="2003150" cy="369332"/>
+          </a:xfrm>
+          <a:prstGeom prst="rect">
+            <a:avLst/>
+          </a:prstGeom>
+          <a:noFill/>
+        </p:spPr>
+        <p:txBody>
+          <a:bodyPr wrap="square" rtlCol="0">
+            <a:spAutoFit/>
+          </a:bodyPr>
+          <a:lstStyle/>
+          <a:p>
+            <a:r>
+              <a:rPr lang="pt-BR" dirty="0" smtClean="0"/>
+              <a:t>API notificação</a:t>
+            </a:r>
+            <a:endParaRPr lang="en-US" dirty="0"/>
+          </a:p>
+        </p:txBody>
+      </p:sp>
+      <p:pic>
+        <p:nvPicPr>
+          <p:cNvPr id="134" name="Picture 133"/>
+          <p:cNvPicPr>
+            <a:picLocks noChangeAspect="1"/>
+          </p:cNvPicPr>
+          <p:nvPr/>
+        </p:nvPicPr>
+        <p:blipFill>
+          <a:blip r:embed="rId11"/>
+          <a:stretch>
+            <a:fillRect/>
+          </a:stretch>
+        </p:blipFill>
+        <p:spPr>
+          <a:xfrm>
+            <a:off x="225291" y="4539975"/>
+            <a:ext cx="3340749" cy="1819811"/>
+          </a:xfrm>
+          <a:prstGeom prst="rect">
+            <a:avLst/>
+          </a:prstGeom>
+        </p:spPr>
+      </p:pic>
+      <p:pic>
+        <p:nvPicPr>
+          <p:cNvPr id="135" name="Picture 134"/>
+          <p:cNvPicPr>
+            <a:picLocks noChangeAspect="1"/>
+          </p:cNvPicPr>
+          <p:nvPr/>
+        </p:nvPicPr>
+        <p:blipFill>
           <a:blip r:embed="rId12"/>
           <a:stretch>
             <a:fillRect/>
@@ -3926,8 +4510,8 @@
         </p:blipFill>
         <p:spPr>
           <a:xfrm>
-            <a:off x="10505155" y="1283537"/>
-            <a:ext cx="1335090" cy="534036"/>
+            <a:off x="5230399" y="4697689"/>
+            <a:ext cx="2944299" cy="1770558"/>
           </a:xfrm>
           <a:prstGeom prst="rect">
             <a:avLst/>
@@ -3936,14 +4520,14 @@
       </p:pic>
       <p:sp>
         <p:nvSpPr>
-          <p:cNvPr id="119" name="TextBox 118"/>
+          <p:cNvPr id="136" name="TextBox 135"/>
           <p:cNvSpPr txBox="1"/>
           <p:nvPr/>
         </p:nvSpPr>
         <p:spPr>
           <a:xfrm>
-            <a:off x="9748381" y="4605778"/>
-            <a:ext cx="2270700" cy="369332"/>
+            <a:off x="2788627" y="6371031"/>
+            <a:ext cx="1526381" cy="369332"/>
           </a:xfrm>
           <a:prstGeom prst="rect">
             <a:avLst/>
@@ -3957,160 +4541,8 @@
           <a:lstStyle/>
           <a:p>
             <a:r>
-              <a:rPr lang="pt-BR" dirty="0" smtClean="0"/>
-              <a:t>Site Web</a:t>
-            </a:r>
-            <a:endParaRPr lang="en-US" dirty="0"/>
-          </a:p>
-        </p:txBody>
-      </p:sp>
-      <p:sp>
-        <p:nvSpPr>
-          <p:cNvPr id="120" name="TextBox 119"/>
-          <p:cNvSpPr txBox="1"/>
-          <p:nvPr/>
-        </p:nvSpPr>
-        <p:spPr>
-          <a:xfrm>
-            <a:off x="9590606" y="82171"/>
-            <a:ext cx="1413406" cy="369332"/>
-          </a:xfrm>
-          <a:prstGeom prst="rect">
-            <a:avLst/>
-          </a:prstGeom>
-          <a:noFill/>
-        </p:spPr>
-        <p:txBody>
-          <a:bodyPr wrap="square" rtlCol="0">
-            <a:spAutoFit/>
-          </a:bodyPr>
-          <a:lstStyle/>
-          <a:p>
-            <a:r>
-              <a:rPr lang="pt-BR" dirty="0" smtClean="0"/>
-              <a:t>Repositório</a:t>
-            </a:r>
-            <a:endParaRPr lang="en-US" dirty="0"/>
-          </a:p>
-        </p:txBody>
-      </p:sp>
-      <p:sp>
-        <p:nvSpPr>
-          <p:cNvPr id="121" name="TextBox 120"/>
-          <p:cNvSpPr txBox="1"/>
-          <p:nvPr/>
-        </p:nvSpPr>
-        <p:spPr>
-          <a:xfrm>
-            <a:off x="4749795" y="2887055"/>
-            <a:ext cx="1861442" cy="646331"/>
-          </a:xfrm>
-          <a:prstGeom prst="rect">
-            <a:avLst/>
-          </a:prstGeom>
-          <a:noFill/>
-        </p:spPr>
-        <p:txBody>
-          <a:bodyPr wrap="square" rtlCol="0">
-            <a:spAutoFit/>
-          </a:bodyPr>
-          <a:lstStyle/>
-          <a:p>
-            <a:r>
-              <a:rPr lang="pt-BR" dirty="0" smtClean="0"/>
-              <a:t>Banco Relacional</a:t>
-            </a:r>
-          </a:p>
-          <a:p>
-            <a:endParaRPr lang="en-US" dirty="0"/>
-          </a:p>
-        </p:txBody>
-      </p:sp>
-      <p:sp>
-        <p:nvSpPr>
-          <p:cNvPr id="122" name="TextBox 121"/>
-          <p:cNvSpPr txBox="1"/>
-          <p:nvPr/>
-        </p:nvSpPr>
-        <p:spPr>
-          <a:xfrm>
-            <a:off x="1970064" y="5232857"/>
-            <a:ext cx="1507756" cy="369332"/>
-          </a:xfrm>
-          <a:prstGeom prst="rect">
-            <a:avLst/>
-          </a:prstGeom>
-          <a:noFill/>
-        </p:spPr>
-        <p:txBody>
-          <a:bodyPr wrap="square" rtlCol="0">
-            <a:spAutoFit/>
-          </a:bodyPr>
-          <a:lstStyle/>
-          <a:p>
-            <a:r>
-              <a:rPr lang="pt-BR" dirty="0" smtClean="0"/>
-              <a:t>API OSHI</a:t>
-            </a:r>
-            <a:endParaRPr lang="en-US" dirty="0"/>
-          </a:p>
-        </p:txBody>
-      </p:sp>
-      <p:sp>
-        <p:nvSpPr>
-          <p:cNvPr id="123" name="TextBox 122"/>
-          <p:cNvSpPr txBox="1"/>
-          <p:nvPr/>
-        </p:nvSpPr>
-        <p:spPr>
-          <a:xfrm>
-            <a:off x="9170686" y="6368817"/>
-            <a:ext cx="2002014" cy="371546"/>
-          </a:xfrm>
-          <a:prstGeom prst="rect">
-            <a:avLst/>
-          </a:prstGeom>
-          <a:noFill/>
-        </p:spPr>
-        <p:txBody>
-          <a:bodyPr wrap="square" rtlCol="0">
-            <a:spAutoFit/>
-          </a:bodyPr>
-          <a:lstStyle/>
-          <a:p>
-            <a:r>
               <a:rPr lang="pt-BR" dirty="0" err="1" smtClean="0"/>
-              <a:t>Dashboard</a:t>
-            </a:r>
-            <a:endParaRPr lang="en-US" dirty="0"/>
-          </a:p>
-        </p:txBody>
-      </p:sp>
-      <p:sp>
-        <p:nvSpPr>
-          <p:cNvPr id="124" name="TextBox 123"/>
-          <p:cNvSpPr txBox="1"/>
-          <p:nvPr/>
-        </p:nvSpPr>
-        <p:spPr>
-          <a:xfrm>
-            <a:off x="2788627" y="140756"/>
-            <a:ext cx="2003150" cy="369332"/>
-          </a:xfrm>
-          <a:prstGeom prst="rect">
-            <a:avLst/>
-          </a:prstGeom>
-          <a:noFill/>
-        </p:spPr>
-        <p:txBody>
-          <a:bodyPr wrap="square" rtlCol="0">
-            <a:spAutoFit/>
-          </a:bodyPr>
-          <a:lstStyle/>
-          <a:p>
-            <a:r>
-              <a:rPr lang="pt-BR" dirty="0" smtClean="0"/>
-              <a:t>API notificação</a:t>
+              <a:t>TeamViewer</a:t>
             </a:r>
             <a:endParaRPr lang="en-US" dirty="0"/>
           </a:p>
@@ -4118,7 +4550,7 @@
       </p:sp>
       <p:pic>
         <p:nvPicPr>
-          <p:cNvPr id="134" name="Picture 133"/>
+          <p:cNvPr id="10" name="Picture 9"/>
           <p:cNvPicPr>
             <a:picLocks noChangeAspect="1"/>
           </p:cNvPicPr>
@@ -4132,8 +4564,8 @@
         </p:blipFill>
         <p:spPr>
           <a:xfrm>
-            <a:off x="4749795" y="3706692"/>
-            <a:ext cx="3340749" cy="1819811"/>
+            <a:off x="5190113" y="1864798"/>
+            <a:ext cx="869164" cy="794967"/>
           </a:xfrm>
           <a:prstGeom prst="rect">
             <a:avLst/>
@@ -4142,7 +4574,7 @@
       </p:pic>
       <p:pic>
         <p:nvPicPr>
-          <p:cNvPr id="135" name="Picture 134"/>
+          <p:cNvPr id="13" name="Picture 12"/>
           <p:cNvPicPr>
             <a:picLocks noChangeAspect="1"/>
           </p:cNvPicPr>
@@ -4156,48 +4588,51 @@
         </p:blipFill>
         <p:spPr>
           <a:xfrm>
-            <a:off x="6077212" y="4984163"/>
-            <a:ext cx="2944299" cy="1770558"/>
+            <a:off x="689270" y="2391465"/>
+            <a:ext cx="2660200" cy="1417936"/>
           </a:xfrm>
           <a:prstGeom prst="rect">
             <a:avLst/>
           </a:prstGeom>
         </p:spPr>
       </p:pic>
-      <p:sp>
-        <p:nvSpPr>
-          <p:cNvPr id="136" name="TextBox 135"/>
-          <p:cNvSpPr txBox="1"/>
-          <p:nvPr/>
-        </p:nvSpPr>
-        <p:spPr>
-          <a:xfrm>
-            <a:off x="3921294" y="5711349"/>
-            <a:ext cx="1526381" cy="369332"/>
-          </a:xfrm>
-          <a:prstGeom prst="rect">
-            <a:avLst/>
-          </a:prstGeom>
-          <a:noFill/>
-        </p:spPr>
-        <p:txBody>
-          <a:bodyPr wrap="square" rtlCol="0">
-            <a:spAutoFit/>
-          </a:bodyPr>
-          <a:lstStyle/>
-          <a:p>
-            <a:r>
-              <a:rPr lang="pt-BR" dirty="0" err="1" smtClean="0"/>
-              <a:t>TeamViewer</a:t>
-            </a:r>
-            <a:endParaRPr lang="en-US" dirty="0"/>
-          </a:p>
-        </p:txBody>
-      </p:sp>
+      <p:cxnSp>
+        <p:nvCxnSpPr>
+          <p:cNvPr id="21" name="Straight Arrow Connector 20"/>
+          <p:cNvCxnSpPr/>
+          <p:nvPr/>
+        </p:nvCxnSpPr>
+        <p:spPr>
+          <a:xfrm flipH="1">
+            <a:off x="4224788" y="5449880"/>
+            <a:ext cx="760000" cy="0"/>
+          </a:xfrm>
+          <a:prstGeom prst="straightConnector1">
+            <a:avLst/>
+          </a:prstGeom>
+          <a:ln>
+            <a:tailEnd type="triangle"/>
+          </a:ln>
+        </p:spPr>
+        <p:style>
+          <a:lnRef idx="1">
+            <a:schemeClr val="accent1"/>
+          </a:lnRef>
+          <a:fillRef idx="0">
+            <a:schemeClr val="accent1"/>
+          </a:fillRef>
+          <a:effectRef idx="0">
+            <a:schemeClr val="accent1"/>
+          </a:effectRef>
+          <a:fontRef idx="minor">
+            <a:schemeClr val="tx1"/>
+          </a:fontRef>
+        </p:style>
+      </p:cxnSp>
     </p:spTree>
     <p:extLst>
       <p:ext uri="{BB962C8B-B14F-4D97-AF65-F5344CB8AC3E}">
-        <p14:creationId xmlns:p14="http://schemas.microsoft.com/office/powerpoint/2010/main" val="623803784"/>
+        <p14:creationId xmlns:p14="http://schemas.microsoft.com/office/powerpoint/2010/main" val="151014954"/>
       </p:ext>
     </p:extLst>
   </p:cSld>

--- a/Documentação/Diagrama-Solucao.pptx
+++ b/Documentação/Diagrama-Solucao.pptx
@@ -5,8 +5,7 @@
     <p:sldMasterId id="2147483750" r:id="rId1"/>
   </p:sldMasterIdLst>
   <p:sldIdLst>
-    <p:sldId id="258" r:id="rId2"/>
-    <p:sldId id="259" r:id="rId3"/>
+    <p:sldId id="259" r:id="rId2"/>
   </p:sldIdLst>
   <p:sldSz cx="12192000" cy="6858000"/>
   <p:notesSz cx="6858000" cy="9144000"/>
@@ -244,7 +243,7 @@
           <a:p>
             <a:fld id="{9AB3A824-1A51-4B26-AD58-A6D8E14F6C04}" type="datetimeFigureOut">
               <a:rPr lang="en-US" smtClean="0"/>
-              <a:t>10/16/2019</a:t>
+              <a:t>10/18/2019</a:t>
             </a:fld>
             <a:endParaRPr lang="en-US" dirty="0"/>
           </a:p>
@@ -419,7 +418,7 @@
           <a:p>
             <a:fld id="{D857E33E-8B18-4087-B112-809917729534}" type="datetimeFigureOut">
               <a:rPr lang="en-US" smtClean="0"/>
-              <a:t>10/16/2019</a:t>
+              <a:t>10/18/2019</a:t>
             </a:fld>
             <a:endParaRPr lang="en-US" dirty="0"/>
           </a:p>
@@ -604,7 +603,7 @@
           <a:p>
             <a:fld id="{D3FFE419-2371-464F-8239-3959401C3561}" type="datetimeFigureOut">
               <a:rPr lang="en-US" smtClean="0"/>
-              <a:t>10/16/2019</a:t>
+              <a:t>10/18/2019</a:t>
             </a:fld>
             <a:endParaRPr lang="en-US" dirty="0"/>
           </a:p>
@@ -779,7 +778,7 @@
           <a:p>
             <a:fld id="{97D162C4-EDD9-4389-A98B-B87ECEA2A816}" type="datetimeFigureOut">
               <a:rPr lang="en-US" smtClean="0"/>
-              <a:t>10/16/2019</a:t>
+              <a:t>10/18/2019</a:t>
             </a:fld>
             <a:endParaRPr lang="en-US" dirty="0"/>
           </a:p>
@@ -1030,7 +1029,7 @@
           <a:p>
             <a:fld id="{3E5059C3-6A89-4494-99FF-5A4D6FFD50EB}" type="datetimeFigureOut">
               <a:rPr lang="en-US" smtClean="0"/>
-              <a:t>10/16/2019</a:t>
+              <a:t>10/18/2019</a:t>
             </a:fld>
             <a:endParaRPr lang="en-US" dirty="0"/>
           </a:p>
@@ -1267,7 +1266,7 @@
           <a:p>
             <a:fld id="{CA954B2F-12DE-47F5-8894-472B206D2E1E}" type="datetimeFigureOut">
               <a:rPr lang="en-US" smtClean="0"/>
-              <a:t>10/16/2019</a:t>
+              <a:t>10/18/2019</a:t>
             </a:fld>
             <a:endParaRPr lang="en-US" dirty="0"/>
           </a:p>
@@ -1639,7 +1638,7 @@
           <a:p>
             <a:fld id="{3F30E46F-7819-4ACF-B48B-48222C2ACC88}" type="datetimeFigureOut">
               <a:rPr lang="en-US" smtClean="0"/>
-              <a:t>10/16/2019</a:t>
+              <a:t>10/18/2019</a:t>
             </a:fld>
             <a:endParaRPr lang="en-US" dirty="0"/>
           </a:p>
@@ -1762,7 +1761,7 @@
           <a:p>
             <a:fld id="{1FAF3416-4057-4DAA-829D-4CA07428D088}" type="datetimeFigureOut">
               <a:rPr lang="en-US" smtClean="0"/>
-              <a:t>10/16/2019</a:t>
+              <a:t>10/18/2019</a:t>
             </a:fld>
             <a:endParaRPr lang="en-US" dirty="0"/>
           </a:p>
@@ -1862,7 +1861,7 @@
           <a:p>
             <a:fld id="{921D9284-D300-4297-87F7-E791DCC15DB1}" type="datetimeFigureOut">
               <a:rPr lang="en-US" smtClean="0"/>
-              <a:t>10/16/2019</a:t>
+              <a:t>10/18/2019</a:t>
             </a:fld>
             <a:endParaRPr lang="en-US" dirty="0"/>
           </a:p>
@@ -2144,7 +2143,7 @@
           <a:p>
             <a:fld id="{37D525BB-DA17-4BA0-B3C8-3AC3ABC827E6}" type="datetimeFigureOut">
               <a:rPr lang="en-US" smtClean="0"/>
-              <a:t>10/16/2019</a:t>
+              <a:t>10/18/2019</a:t>
             </a:fld>
             <a:endParaRPr lang="en-US" dirty="0"/>
           </a:p>
@@ -2406,7 +2405,7 @@
           <a:p>
             <a:fld id="{B16C4C9A-3960-41CF-A4E9-2A8FB932454B}" type="datetimeFigureOut">
               <a:rPr lang="en-US" smtClean="0"/>
-              <a:t>10/16/2019</a:t>
+              <a:t>10/18/2019</a:t>
             </a:fld>
             <a:endParaRPr lang="en-US" dirty="0"/>
           </a:p>
@@ -2624,7 +2623,7 @@
           <a:p>
             <a:fld id="{3CBC1C18-307B-4F68-A007-B5B542270E8D}" type="datetimeFigureOut">
               <a:rPr lang="en-US" smtClean="0"/>
-              <a:t>10/16/2019</a:t>
+              <a:t>10/18/2019</a:t>
             </a:fld>
             <a:endParaRPr lang="en-US" dirty="0"/>
           </a:p>
@@ -3268,834 +3267,6 @@
           </a:prstGeom>
         </p:spPr>
       </p:pic>
-      <p:pic>
-        <p:nvPicPr>
-          <p:cNvPr id="17" name="Picture 16"/>
-          <p:cNvPicPr>
-            <a:picLocks noChangeAspect="1"/>
-          </p:cNvPicPr>
-          <p:nvPr/>
-        </p:nvPicPr>
-        <p:blipFill>
-          <a:blip r:embed="rId10"/>
-          <a:stretch>
-            <a:fillRect/>
-          </a:stretch>
-        </p:blipFill>
-        <p:spPr>
-          <a:xfrm>
-            <a:off x="280251" y="4005867"/>
-            <a:ext cx="1525797" cy="1735290"/>
-          </a:xfrm>
-          <a:prstGeom prst="rect">
-            <a:avLst/>
-          </a:prstGeom>
-        </p:spPr>
-      </p:pic>
-      <p:pic>
-        <p:nvPicPr>
-          <p:cNvPr id="18" name="Picture 17"/>
-          <p:cNvPicPr>
-            <a:picLocks noChangeAspect="1"/>
-          </p:cNvPicPr>
-          <p:nvPr/>
-        </p:nvPicPr>
-        <p:blipFill>
-          <a:blip r:embed="rId11"/>
-          <a:stretch>
-            <a:fillRect/>
-          </a:stretch>
-        </p:blipFill>
-        <p:spPr>
-          <a:xfrm>
-            <a:off x="1616035" y="2603526"/>
-            <a:ext cx="2827040" cy="2522919"/>
-          </a:xfrm>
-          <a:prstGeom prst="rect">
-            <a:avLst/>
-          </a:prstGeom>
-        </p:spPr>
-      </p:pic>
-      <p:cxnSp>
-        <p:nvCxnSpPr>
-          <p:cNvPr id="58" name="Straight Arrow Connector 57"/>
-          <p:cNvCxnSpPr/>
-          <p:nvPr/>
-        </p:nvCxnSpPr>
-        <p:spPr>
-          <a:xfrm flipH="1">
-            <a:off x="8298256" y="1024693"/>
-            <a:ext cx="2114444" cy="0"/>
-          </a:xfrm>
-          <a:prstGeom prst="straightConnector1">
-            <a:avLst/>
-          </a:prstGeom>
-          <a:ln>
-            <a:tailEnd type="triangle"/>
-          </a:ln>
-        </p:spPr>
-        <p:style>
-          <a:lnRef idx="1">
-            <a:schemeClr val="accent1"/>
-          </a:lnRef>
-          <a:fillRef idx="0">
-            <a:schemeClr val="accent1"/>
-          </a:fillRef>
-          <a:effectRef idx="0">
-            <a:schemeClr val="accent1"/>
-          </a:effectRef>
-          <a:fontRef idx="minor">
-            <a:schemeClr val="tx1"/>
-          </a:fontRef>
-        </p:style>
-      </p:cxnSp>
-      <p:cxnSp>
-        <p:nvCxnSpPr>
-          <p:cNvPr id="94" name="Elbow Connector 93"/>
-          <p:cNvCxnSpPr/>
-          <p:nvPr/>
-        </p:nvCxnSpPr>
-        <p:spPr>
-          <a:xfrm flipV="1">
-            <a:off x="470263" y="2401706"/>
-            <a:ext cx="4026722" cy="1522499"/>
-          </a:xfrm>
-          <a:prstGeom prst="bentConnector3">
-            <a:avLst>
-              <a:gd name="adj1" fmla="val 42"/>
-            </a:avLst>
-          </a:prstGeom>
-          <a:ln>
-            <a:tailEnd type="triangle"/>
-          </a:ln>
-        </p:spPr>
-        <p:style>
-          <a:lnRef idx="1">
-            <a:schemeClr val="accent1"/>
-          </a:lnRef>
-          <a:fillRef idx="0">
-            <a:schemeClr val="accent1"/>
-          </a:fillRef>
-          <a:effectRef idx="0">
-            <a:schemeClr val="accent1"/>
-          </a:effectRef>
-          <a:fontRef idx="minor">
-            <a:schemeClr val="tx1"/>
-          </a:fontRef>
-        </p:style>
-      </p:cxnSp>
-      <p:cxnSp>
-        <p:nvCxnSpPr>
-          <p:cNvPr id="98" name="Elbow Connector 97"/>
-          <p:cNvCxnSpPr/>
-          <p:nvPr/>
-        </p:nvCxnSpPr>
-        <p:spPr>
-          <a:xfrm rot="16200000" flipH="1">
-            <a:off x="7727573" y="2140349"/>
-            <a:ext cx="1009423" cy="926355"/>
-          </a:xfrm>
-          <a:prstGeom prst="bentConnector3">
-            <a:avLst>
-              <a:gd name="adj1" fmla="val 50000"/>
-            </a:avLst>
-          </a:prstGeom>
-          <a:ln>
-            <a:tailEnd type="triangle"/>
-          </a:ln>
-        </p:spPr>
-        <p:style>
-          <a:lnRef idx="1">
-            <a:schemeClr val="accent1"/>
-          </a:lnRef>
-          <a:fillRef idx="0">
-            <a:schemeClr val="accent1"/>
-          </a:fillRef>
-          <a:effectRef idx="0">
-            <a:schemeClr val="accent1"/>
-          </a:effectRef>
-          <a:fontRef idx="minor">
-            <a:schemeClr val="tx1"/>
-          </a:fontRef>
-        </p:style>
-      </p:cxnSp>
-      <p:cxnSp>
-        <p:nvCxnSpPr>
-          <p:cNvPr id="109" name="Straight Connector 108"/>
-          <p:cNvCxnSpPr/>
-          <p:nvPr/>
-        </p:nvCxnSpPr>
-        <p:spPr>
-          <a:xfrm>
-            <a:off x="2886591" y="750984"/>
-            <a:ext cx="3698985" cy="0"/>
-          </a:xfrm>
-          <a:prstGeom prst="line">
-            <a:avLst/>
-          </a:prstGeom>
-        </p:spPr>
-        <p:style>
-          <a:lnRef idx="1">
-            <a:schemeClr val="accent1"/>
-          </a:lnRef>
-          <a:fillRef idx="0">
-            <a:schemeClr val="accent1"/>
-          </a:fillRef>
-          <a:effectRef idx="0">
-            <a:schemeClr val="accent1"/>
-          </a:effectRef>
-          <a:fontRef idx="minor">
-            <a:schemeClr val="tx1"/>
-          </a:fontRef>
-        </p:style>
-      </p:cxnSp>
-      <p:cxnSp>
-        <p:nvCxnSpPr>
-          <p:cNvPr id="111" name="Elbow Connector 110"/>
-          <p:cNvCxnSpPr/>
-          <p:nvPr/>
-        </p:nvCxnSpPr>
-        <p:spPr>
-          <a:xfrm rot="10800000" flipV="1">
-            <a:off x="9183752" y="4134039"/>
-            <a:ext cx="1988949" cy="1942292"/>
-          </a:xfrm>
-          <a:prstGeom prst="bentConnector3">
-            <a:avLst>
-              <a:gd name="adj1" fmla="val 85"/>
-            </a:avLst>
-          </a:prstGeom>
-          <a:ln>
-            <a:tailEnd type="triangle"/>
-          </a:ln>
-        </p:spPr>
-        <p:style>
-          <a:lnRef idx="1">
-            <a:schemeClr val="accent1"/>
-          </a:lnRef>
-          <a:fillRef idx="0">
-            <a:schemeClr val="accent1"/>
-          </a:fillRef>
-          <a:effectRef idx="0">
-            <a:schemeClr val="accent1"/>
-          </a:effectRef>
-          <a:fontRef idx="minor">
-            <a:schemeClr val="tx1"/>
-          </a:fontRef>
-        </p:style>
-      </p:cxnSp>
-      <p:cxnSp>
-        <p:nvCxnSpPr>
-          <p:cNvPr id="114" name="Elbow Connector 113"/>
-          <p:cNvCxnSpPr/>
-          <p:nvPr/>
-        </p:nvCxnSpPr>
-        <p:spPr>
-          <a:xfrm flipV="1">
-            <a:off x="6688289" y="2129947"/>
-            <a:ext cx="496282" cy="352634"/>
-          </a:xfrm>
-          <a:prstGeom prst="bentConnector3">
-            <a:avLst>
-              <a:gd name="adj1" fmla="val 105275"/>
-            </a:avLst>
-          </a:prstGeom>
-          <a:ln>
-            <a:tailEnd type="triangle"/>
-          </a:ln>
-        </p:spPr>
-        <p:style>
-          <a:lnRef idx="1">
-            <a:schemeClr val="accent1"/>
-          </a:lnRef>
-          <a:fillRef idx="0">
-            <a:schemeClr val="accent1"/>
-          </a:fillRef>
-          <a:effectRef idx="0">
-            <a:schemeClr val="accent1"/>
-          </a:effectRef>
-          <a:fontRef idx="minor">
-            <a:schemeClr val="tx1"/>
-          </a:fontRef>
-        </p:style>
-      </p:cxnSp>
-      <p:pic>
-        <p:nvPicPr>
-          <p:cNvPr id="117" name="Picture 116"/>
-          <p:cNvPicPr>
-            <a:picLocks noChangeAspect="1"/>
-          </p:cNvPicPr>
-          <p:nvPr/>
-        </p:nvPicPr>
-        <p:blipFill>
-          <a:blip r:embed="rId12"/>
-          <a:stretch>
-            <a:fillRect/>
-          </a:stretch>
-        </p:blipFill>
-        <p:spPr>
-          <a:xfrm>
-            <a:off x="10505155" y="1283537"/>
-            <a:ext cx="1335090" cy="534036"/>
-          </a:xfrm>
-          <a:prstGeom prst="rect">
-            <a:avLst/>
-          </a:prstGeom>
-        </p:spPr>
-      </p:pic>
-      <p:sp>
-        <p:nvSpPr>
-          <p:cNvPr id="119" name="TextBox 118"/>
-          <p:cNvSpPr txBox="1"/>
-          <p:nvPr/>
-        </p:nvSpPr>
-        <p:spPr>
-          <a:xfrm>
-            <a:off x="9748381" y="4605778"/>
-            <a:ext cx="2270700" cy="369332"/>
-          </a:xfrm>
-          <a:prstGeom prst="rect">
-            <a:avLst/>
-          </a:prstGeom>
-          <a:noFill/>
-        </p:spPr>
-        <p:txBody>
-          <a:bodyPr wrap="square" rtlCol="0">
-            <a:spAutoFit/>
-          </a:bodyPr>
-          <a:lstStyle/>
-          <a:p>
-            <a:r>
-              <a:rPr lang="pt-BR" dirty="0" smtClean="0"/>
-              <a:t>Site Web</a:t>
-            </a:r>
-            <a:endParaRPr lang="en-US" dirty="0"/>
-          </a:p>
-        </p:txBody>
-      </p:sp>
-      <p:sp>
-        <p:nvSpPr>
-          <p:cNvPr id="120" name="TextBox 119"/>
-          <p:cNvSpPr txBox="1"/>
-          <p:nvPr/>
-        </p:nvSpPr>
-        <p:spPr>
-          <a:xfrm>
-            <a:off x="9590606" y="82171"/>
-            <a:ext cx="1413406" cy="369332"/>
-          </a:xfrm>
-          <a:prstGeom prst="rect">
-            <a:avLst/>
-          </a:prstGeom>
-          <a:noFill/>
-        </p:spPr>
-        <p:txBody>
-          <a:bodyPr wrap="square" rtlCol="0">
-            <a:spAutoFit/>
-          </a:bodyPr>
-          <a:lstStyle/>
-          <a:p>
-            <a:r>
-              <a:rPr lang="pt-BR" dirty="0" smtClean="0"/>
-              <a:t>Repositório</a:t>
-            </a:r>
-            <a:endParaRPr lang="en-US" dirty="0"/>
-          </a:p>
-        </p:txBody>
-      </p:sp>
-      <p:sp>
-        <p:nvSpPr>
-          <p:cNvPr id="121" name="TextBox 120"/>
-          <p:cNvSpPr txBox="1"/>
-          <p:nvPr/>
-        </p:nvSpPr>
-        <p:spPr>
-          <a:xfrm>
-            <a:off x="4749795" y="2887055"/>
-            <a:ext cx="1861442" cy="646331"/>
-          </a:xfrm>
-          <a:prstGeom prst="rect">
-            <a:avLst/>
-          </a:prstGeom>
-          <a:noFill/>
-        </p:spPr>
-        <p:txBody>
-          <a:bodyPr wrap="square" rtlCol="0">
-            <a:spAutoFit/>
-          </a:bodyPr>
-          <a:lstStyle/>
-          <a:p>
-            <a:r>
-              <a:rPr lang="pt-BR" dirty="0" smtClean="0"/>
-              <a:t>Banco Relacional</a:t>
-            </a:r>
-          </a:p>
-          <a:p>
-            <a:endParaRPr lang="en-US" dirty="0"/>
-          </a:p>
-        </p:txBody>
-      </p:sp>
-      <p:sp>
-        <p:nvSpPr>
-          <p:cNvPr id="122" name="TextBox 121"/>
-          <p:cNvSpPr txBox="1"/>
-          <p:nvPr/>
-        </p:nvSpPr>
-        <p:spPr>
-          <a:xfrm>
-            <a:off x="1970064" y="5232857"/>
-            <a:ext cx="1507756" cy="369332"/>
-          </a:xfrm>
-          <a:prstGeom prst="rect">
-            <a:avLst/>
-          </a:prstGeom>
-          <a:noFill/>
-        </p:spPr>
-        <p:txBody>
-          <a:bodyPr wrap="square" rtlCol="0">
-            <a:spAutoFit/>
-          </a:bodyPr>
-          <a:lstStyle/>
-          <a:p>
-            <a:r>
-              <a:rPr lang="pt-BR" dirty="0" smtClean="0"/>
-              <a:t>API OSHI</a:t>
-            </a:r>
-            <a:endParaRPr lang="en-US" dirty="0"/>
-          </a:p>
-        </p:txBody>
-      </p:sp>
-      <p:sp>
-        <p:nvSpPr>
-          <p:cNvPr id="123" name="TextBox 122"/>
-          <p:cNvSpPr txBox="1"/>
-          <p:nvPr/>
-        </p:nvSpPr>
-        <p:spPr>
-          <a:xfrm>
-            <a:off x="9170686" y="6368817"/>
-            <a:ext cx="2002014" cy="371546"/>
-          </a:xfrm>
-          <a:prstGeom prst="rect">
-            <a:avLst/>
-          </a:prstGeom>
-          <a:noFill/>
-        </p:spPr>
-        <p:txBody>
-          <a:bodyPr wrap="square" rtlCol="0">
-            <a:spAutoFit/>
-          </a:bodyPr>
-          <a:lstStyle/>
-          <a:p>
-            <a:r>
-              <a:rPr lang="pt-BR" dirty="0" err="1" smtClean="0"/>
-              <a:t>Dashboard</a:t>
-            </a:r>
-            <a:endParaRPr lang="en-US" dirty="0"/>
-          </a:p>
-        </p:txBody>
-      </p:sp>
-      <p:sp>
-        <p:nvSpPr>
-          <p:cNvPr id="124" name="TextBox 123"/>
-          <p:cNvSpPr txBox="1"/>
-          <p:nvPr/>
-        </p:nvSpPr>
-        <p:spPr>
-          <a:xfrm>
-            <a:off x="2788627" y="140756"/>
-            <a:ext cx="2003150" cy="369332"/>
-          </a:xfrm>
-          <a:prstGeom prst="rect">
-            <a:avLst/>
-          </a:prstGeom>
-          <a:noFill/>
-        </p:spPr>
-        <p:txBody>
-          <a:bodyPr wrap="square" rtlCol="0">
-            <a:spAutoFit/>
-          </a:bodyPr>
-          <a:lstStyle/>
-          <a:p>
-            <a:r>
-              <a:rPr lang="pt-BR" dirty="0" smtClean="0"/>
-              <a:t>API notificação</a:t>
-            </a:r>
-            <a:endParaRPr lang="en-US" dirty="0"/>
-          </a:p>
-        </p:txBody>
-      </p:sp>
-      <p:pic>
-        <p:nvPicPr>
-          <p:cNvPr id="134" name="Picture 133"/>
-          <p:cNvPicPr>
-            <a:picLocks noChangeAspect="1"/>
-          </p:cNvPicPr>
-          <p:nvPr/>
-        </p:nvPicPr>
-        <p:blipFill>
-          <a:blip r:embed="rId13"/>
-          <a:stretch>
-            <a:fillRect/>
-          </a:stretch>
-        </p:blipFill>
-        <p:spPr>
-          <a:xfrm>
-            <a:off x="4749795" y="3706692"/>
-            <a:ext cx="3340749" cy="1819811"/>
-          </a:xfrm>
-          <a:prstGeom prst="rect">
-            <a:avLst/>
-          </a:prstGeom>
-        </p:spPr>
-      </p:pic>
-      <p:pic>
-        <p:nvPicPr>
-          <p:cNvPr id="135" name="Picture 134"/>
-          <p:cNvPicPr>
-            <a:picLocks noChangeAspect="1"/>
-          </p:cNvPicPr>
-          <p:nvPr/>
-        </p:nvPicPr>
-        <p:blipFill>
-          <a:blip r:embed="rId14"/>
-          <a:stretch>
-            <a:fillRect/>
-          </a:stretch>
-        </p:blipFill>
-        <p:spPr>
-          <a:xfrm>
-            <a:off x="6077212" y="4984163"/>
-            <a:ext cx="2944299" cy="1770558"/>
-          </a:xfrm>
-          <a:prstGeom prst="rect">
-            <a:avLst/>
-          </a:prstGeom>
-        </p:spPr>
-      </p:pic>
-      <p:sp>
-        <p:nvSpPr>
-          <p:cNvPr id="136" name="TextBox 135"/>
-          <p:cNvSpPr txBox="1"/>
-          <p:nvPr/>
-        </p:nvSpPr>
-        <p:spPr>
-          <a:xfrm>
-            <a:off x="3921294" y="5711349"/>
-            <a:ext cx="1526381" cy="369332"/>
-          </a:xfrm>
-          <a:prstGeom prst="rect">
-            <a:avLst/>
-          </a:prstGeom>
-          <a:noFill/>
-        </p:spPr>
-        <p:txBody>
-          <a:bodyPr wrap="square" rtlCol="0">
-            <a:spAutoFit/>
-          </a:bodyPr>
-          <a:lstStyle/>
-          <a:p>
-            <a:r>
-              <a:rPr lang="pt-BR" dirty="0" err="1" smtClean="0"/>
-              <a:t>TeamViewer</a:t>
-            </a:r>
-            <a:endParaRPr lang="en-US" dirty="0"/>
-          </a:p>
-        </p:txBody>
-      </p:sp>
-      <p:pic>
-        <p:nvPicPr>
-          <p:cNvPr id="29" name="Picture 28"/>
-          <p:cNvPicPr>
-            <a:picLocks noChangeAspect="1"/>
-          </p:cNvPicPr>
-          <p:nvPr/>
-        </p:nvPicPr>
-        <p:blipFill>
-          <a:blip r:embed="rId15"/>
-          <a:stretch>
-            <a:fillRect/>
-          </a:stretch>
-        </p:blipFill>
-        <p:spPr>
-          <a:xfrm>
-            <a:off x="5200448" y="1799636"/>
-            <a:ext cx="869164" cy="794967"/>
-          </a:xfrm>
-          <a:prstGeom prst="rect">
-            <a:avLst/>
-          </a:prstGeom>
-        </p:spPr>
-      </p:pic>
-    </p:spTree>
-    <p:extLst>
-      <p:ext uri="{BB962C8B-B14F-4D97-AF65-F5344CB8AC3E}">
-        <p14:creationId xmlns:p14="http://schemas.microsoft.com/office/powerpoint/2010/main" val="623803784"/>
-      </p:ext>
-    </p:extLst>
-  </p:cSld>
-  <p:clrMapOvr>
-    <a:masterClrMapping/>
-  </p:clrMapOvr>
-  <p:timing>
-    <p:tnLst>
-      <p:par>
-        <p:cTn id="1" dur="indefinite" restart="never" nodeType="tmRoot"/>
-      </p:par>
-    </p:tnLst>
-  </p:timing>
-</p:sld>
-</file>
-
-<file path=ppt/slides/slide2.xml><?xml version="1.0" encoding="utf-8"?>
-<p:sld xmlns:a="http://schemas.openxmlformats.org/drawingml/2006/main" xmlns:r="http://schemas.openxmlformats.org/officeDocument/2006/relationships" xmlns:p="http://schemas.openxmlformats.org/presentationml/2006/main">
-  <p:cSld>
-    <p:spTree>
-      <p:nvGrpSpPr>
-        <p:cNvPr id="1" name=""/>
-        <p:cNvGrpSpPr/>
-        <p:nvPr/>
-      </p:nvGrpSpPr>
-      <p:grpSpPr>
-        <a:xfrm>
-          <a:off x="0" y="0"/>
-          <a:ext cx="0" cy="0"/>
-          <a:chOff x="0" y="0"/>
-          <a:chExt cx="0" cy="0"/>
-        </a:xfrm>
-      </p:grpSpPr>
-      <p:pic>
-        <p:nvPicPr>
-          <p:cNvPr id="4" name="Picture 3"/>
-          <p:cNvPicPr>
-            <a:picLocks noChangeAspect="1"/>
-          </p:cNvPicPr>
-          <p:nvPr/>
-        </p:nvPicPr>
-        <p:blipFill>
-          <a:blip r:embed="rId2"/>
-          <a:stretch>
-            <a:fillRect/>
-          </a:stretch>
-        </p:blipFill>
-        <p:spPr>
-          <a:xfrm>
-            <a:off x="4684485" y="1297604"/>
-            <a:ext cx="1901091" cy="1664686"/>
-          </a:xfrm>
-          <a:prstGeom prst="rect">
-            <a:avLst/>
-          </a:prstGeom>
-        </p:spPr>
-      </p:pic>
-      <p:sp>
-        <p:nvSpPr>
-          <p:cNvPr id="5" name="Rounded Rectangle 4"/>
-          <p:cNvSpPr/>
-          <p:nvPr/>
-        </p:nvSpPr>
-        <p:spPr>
-          <a:xfrm>
-            <a:off x="6688289" y="546927"/>
-            <a:ext cx="1500442" cy="1402903"/>
-          </a:xfrm>
-          <a:prstGeom prst="roundRect">
-            <a:avLst>
-              <a:gd name="adj" fmla="val 9574"/>
-            </a:avLst>
-          </a:prstGeom>
-        </p:spPr>
-        <p:style>
-          <a:lnRef idx="2">
-            <a:schemeClr val="accent6"/>
-          </a:lnRef>
-          <a:fillRef idx="1">
-            <a:schemeClr val="lt1"/>
-          </a:fillRef>
-          <a:effectRef idx="0">
-            <a:schemeClr val="accent6"/>
-          </a:effectRef>
-          <a:fontRef idx="minor">
-            <a:schemeClr val="dk1"/>
-          </a:fontRef>
-        </p:style>
-        <p:txBody>
-          <a:bodyPr rtlCol="0" anchor="ctr"/>
-          <a:lstStyle/>
-          <a:p>
-            <a:pPr algn="ctr"/>
-            <a:endParaRPr lang="pt-BR" dirty="0" smtClean="0"/>
-          </a:p>
-        </p:txBody>
-      </p:sp>
-      <p:pic>
-        <p:nvPicPr>
-          <p:cNvPr id="6" name="Picture 5"/>
-          <p:cNvPicPr>
-            <a:picLocks noChangeAspect="1"/>
-          </p:cNvPicPr>
-          <p:nvPr/>
-        </p:nvPicPr>
-        <p:blipFill>
-          <a:blip r:embed="rId3"/>
-          <a:stretch>
-            <a:fillRect/>
-          </a:stretch>
-        </p:blipFill>
-        <p:spPr>
-          <a:xfrm>
-            <a:off x="10412700" y="243973"/>
-            <a:ext cx="1520001" cy="1004406"/>
-          </a:xfrm>
-          <a:prstGeom prst="rect">
-            <a:avLst/>
-          </a:prstGeom>
-        </p:spPr>
-      </p:pic>
-      <p:pic>
-        <p:nvPicPr>
-          <p:cNvPr id="7" name="Picture 6"/>
-          <p:cNvPicPr>
-            <a:picLocks noChangeAspect="1"/>
-          </p:cNvPicPr>
-          <p:nvPr/>
-        </p:nvPicPr>
-        <p:blipFill>
-          <a:blip r:embed="rId4"/>
-          <a:stretch>
-            <a:fillRect/>
-          </a:stretch>
-        </p:blipFill>
-        <p:spPr>
-          <a:xfrm>
-            <a:off x="4604788" y="890435"/>
-            <a:ext cx="1876500" cy="560201"/>
-          </a:xfrm>
-          <a:prstGeom prst="rect">
-            <a:avLst/>
-          </a:prstGeom>
-        </p:spPr>
-      </p:pic>
-      <p:pic>
-        <p:nvPicPr>
-          <p:cNvPr id="8" name="Picture 7"/>
-          <p:cNvPicPr>
-            <a:picLocks noChangeAspect="1"/>
-          </p:cNvPicPr>
-          <p:nvPr/>
-        </p:nvPicPr>
-        <p:blipFill>
-          <a:blip r:embed="rId5"/>
-          <a:stretch>
-            <a:fillRect/>
-          </a:stretch>
-        </p:blipFill>
-        <p:spPr>
-          <a:xfrm>
-            <a:off x="6909994" y="620151"/>
-            <a:ext cx="1111813" cy="825143"/>
-          </a:xfrm>
-          <a:prstGeom prst="rect">
-            <a:avLst/>
-          </a:prstGeom>
-        </p:spPr>
-      </p:pic>
-      <p:pic>
-        <p:nvPicPr>
-          <p:cNvPr id="9" name="Picture 8"/>
-          <p:cNvPicPr>
-            <a:picLocks noChangeAspect="1"/>
-          </p:cNvPicPr>
-          <p:nvPr/>
-        </p:nvPicPr>
-        <p:blipFill>
-          <a:blip r:embed="rId6"/>
-          <a:stretch>
-            <a:fillRect/>
-          </a:stretch>
-        </p:blipFill>
-        <p:spPr>
-          <a:xfrm>
-            <a:off x="7063039" y="1445294"/>
-            <a:ext cx="972647" cy="385473"/>
-          </a:xfrm>
-          <a:prstGeom prst="rect">
-            <a:avLst/>
-          </a:prstGeom>
-        </p:spPr>
-      </p:pic>
-      <p:pic>
-        <p:nvPicPr>
-          <p:cNvPr id="11" name="Picture 10"/>
-          <p:cNvPicPr>
-            <a:picLocks noChangeAspect="1"/>
-          </p:cNvPicPr>
-          <p:nvPr/>
-        </p:nvPicPr>
-        <p:blipFill>
-          <a:blip r:embed="rId7"/>
-          <a:stretch>
-            <a:fillRect/>
-          </a:stretch>
-        </p:blipFill>
-        <p:spPr>
-          <a:xfrm>
-            <a:off x="8410686" y="3341160"/>
-            <a:ext cx="2359841" cy="1256966"/>
-          </a:xfrm>
-          <a:prstGeom prst="rect">
-            <a:avLst/>
-          </a:prstGeom>
-        </p:spPr>
-      </p:pic>
-      <p:pic>
-        <p:nvPicPr>
-          <p:cNvPr id="12" name="Picture 11"/>
-          <p:cNvPicPr>
-            <a:picLocks noChangeAspect="1"/>
-          </p:cNvPicPr>
-          <p:nvPr/>
-        </p:nvPicPr>
-        <p:blipFill>
-          <a:blip r:embed="rId8"/>
-          <a:stretch>
-            <a:fillRect/>
-          </a:stretch>
-        </p:blipFill>
-        <p:spPr>
-          <a:xfrm>
-            <a:off x="9984264" y="2482581"/>
-            <a:ext cx="1572526" cy="1487062"/>
-          </a:xfrm>
-          <a:prstGeom prst="rect">
-            <a:avLst/>
-          </a:prstGeom>
-        </p:spPr>
-      </p:pic>
-      <p:pic>
-        <p:nvPicPr>
-          <p:cNvPr id="16" name="Picture 15"/>
-          <p:cNvPicPr>
-            <a:picLocks noChangeAspect="1"/>
-          </p:cNvPicPr>
-          <p:nvPr/>
-        </p:nvPicPr>
-        <p:blipFill>
-          <a:blip r:embed="rId9"/>
-          <a:stretch>
-            <a:fillRect/>
-          </a:stretch>
-        </p:blipFill>
-        <p:spPr>
-          <a:xfrm>
-            <a:off x="225291" y="218619"/>
-            <a:ext cx="2383365" cy="1612148"/>
-          </a:xfrm>
-          <a:prstGeom prst="rect">
-            <a:avLst/>
-          </a:prstGeom>
-        </p:spPr>
-      </p:pic>
       <p:cxnSp>
         <p:nvCxnSpPr>
           <p:cNvPr id="58" name="Straight Arrow Connector 57"/>
@@ -4388,8 +3559,8 @@
         </p:nvSpPr>
         <p:spPr>
           <a:xfrm>
-            <a:off x="3036324" y="3867237"/>
-            <a:ext cx="1507756" cy="369332"/>
+            <a:off x="2282446" y="6226418"/>
+            <a:ext cx="1507756" cy="646331"/>
           </a:xfrm>
           <a:prstGeom prst="rect">
             <a:avLst/>
@@ -4404,8 +3575,10 @@
           <a:p>
             <a:r>
               <a:rPr lang="pt-BR" dirty="0" smtClean="0"/>
-              <a:t>API OSHI</a:t>
-            </a:r>
+              <a:t>API JAVA</a:t>
+            </a:r>
+          </a:p>
+          <a:p>
             <a:endParaRPr lang="en-US" dirty="0"/>
           </a:p>
         </p:txBody>
@@ -4418,7 +3591,7 @@
         </p:nvSpPr>
         <p:spPr>
           <a:xfrm>
-            <a:off x="9170686" y="6368817"/>
+            <a:off x="5061025" y="4303171"/>
             <a:ext cx="2002014" cy="371546"/>
           </a:xfrm>
           <a:prstGeom prst="rect">
@@ -4486,7 +3659,7 @@
         </p:blipFill>
         <p:spPr>
           <a:xfrm>
-            <a:off x="225291" y="4539975"/>
+            <a:off x="185866" y="2306264"/>
             <a:ext cx="3340749" cy="1819811"/>
           </a:xfrm>
           <a:prstGeom prst="rect">
@@ -4526,7 +3699,7 @@
         </p:nvSpPr>
         <p:spPr>
           <a:xfrm>
-            <a:off x="2788627" y="6371031"/>
+            <a:off x="2308776" y="2015540"/>
             <a:ext cx="1526381" cy="369332"/>
           </a:xfrm>
           <a:prstGeom prst="rect">
@@ -4588,7 +3761,7 @@
         </p:blipFill>
         <p:spPr>
           <a:xfrm>
-            <a:off x="689270" y="2391465"/>
+            <a:off x="469313" y="4790444"/>
             <a:ext cx="2660200" cy="1417936"/>
           </a:xfrm>
           <a:prstGeom prst="rect">
@@ -4598,14 +3771,129 @@
       </p:pic>
       <p:cxnSp>
         <p:nvCxnSpPr>
-          <p:cNvPr id="21" name="Straight Arrow Connector 20"/>
+          <p:cNvPr id="28" name="Elbow Connector 27"/>
           <p:cNvCxnSpPr/>
           <p:nvPr/>
         </p:nvCxnSpPr>
         <p:spPr>
-          <a:xfrm flipH="1">
-            <a:off x="4224788" y="5449880"/>
-            <a:ext cx="760000" cy="0"/>
+          <a:xfrm rot="10800000">
+            <a:off x="3491848" y="5713941"/>
+            <a:ext cx="1376215" cy="12700"/>
+          </a:xfrm>
+          <a:prstGeom prst="bentConnector3">
+            <a:avLst/>
+          </a:prstGeom>
+          <a:ln>
+            <a:tailEnd type="triangle"/>
+          </a:ln>
+        </p:spPr>
+        <p:style>
+          <a:lnRef idx="1">
+            <a:schemeClr val="accent1"/>
+          </a:lnRef>
+          <a:fillRef idx="0">
+            <a:schemeClr val="accent1"/>
+          </a:fillRef>
+          <a:effectRef idx="0">
+            <a:schemeClr val="accent1"/>
+          </a:effectRef>
+          <a:fontRef idx="minor">
+            <a:schemeClr val="tx1"/>
+          </a:fontRef>
+        </p:style>
+      </p:cxnSp>
+      <p:grpSp>
+        <p:nvGrpSpPr>
+          <p:cNvPr id="41" name="Group 40"/>
+          <p:cNvGrpSpPr/>
+          <p:nvPr/>
+        </p:nvGrpSpPr>
+        <p:grpSpPr>
+          <a:xfrm>
+            <a:off x="3129513" y="2129948"/>
+            <a:ext cx="1541908" cy="3369464"/>
+            <a:chOff x="3129513" y="2129948"/>
+            <a:chExt cx="1541908" cy="3369464"/>
+          </a:xfrm>
+        </p:grpSpPr>
+        <p:cxnSp>
+          <p:nvCxnSpPr>
+            <p:cNvPr id="37" name="Straight Connector 36"/>
+            <p:cNvCxnSpPr>
+              <a:stCxn id="13" idx="3"/>
+            </p:cNvCxnSpPr>
+            <p:nvPr/>
+          </p:nvCxnSpPr>
+          <p:spPr>
+            <a:xfrm flipV="1">
+              <a:off x="3129513" y="4134039"/>
+              <a:ext cx="1207356" cy="1365373"/>
+            </a:xfrm>
+            <a:prstGeom prst="line">
+              <a:avLst/>
+            </a:prstGeom>
+          </p:spPr>
+          <p:style>
+            <a:lnRef idx="1">
+              <a:schemeClr val="accent1"/>
+            </a:lnRef>
+            <a:fillRef idx="0">
+              <a:schemeClr val="accent1"/>
+            </a:fillRef>
+            <a:effectRef idx="0">
+              <a:schemeClr val="accent1"/>
+            </a:effectRef>
+            <a:fontRef idx="minor">
+              <a:schemeClr val="tx1"/>
+            </a:fontRef>
+          </p:style>
+        </p:cxnSp>
+        <p:cxnSp>
+          <p:nvCxnSpPr>
+            <p:cNvPr id="39" name="Elbow Connector 38"/>
+            <p:cNvCxnSpPr/>
+            <p:nvPr/>
+          </p:nvCxnSpPr>
+          <p:spPr>
+            <a:xfrm rot="5400000" flipH="1" flipV="1">
+              <a:off x="3502983" y="2957637"/>
+              <a:ext cx="1996128" cy="340749"/>
+            </a:xfrm>
+            <a:prstGeom prst="bentConnector2">
+              <a:avLst/>
+            </a:prstGeom>
+            <a:ln>
+              <a:tailEnd type="triangle"/>
+            </a:ln>
+          </p:spPr>
+          <p:style>
+            <a:lnRef idx="1">
+              <a:schemeClr val="accent1"/>
+            </a:lnRef>
+            <a:fillRef idx="0">
+              <a:schemeClr val="accent1"/>
+            </a:fillRef>
+            <a:effectRef idx="0">
+              <a:schemeClr val="accent1"/>
+            </a:effectRef>
+            <a:fontRef idx="minor">
+              <a:schemeClr val="tx1"/>
+            </a:fontRef>
+          </p:style>
+        </p:cxnSp>
+      </p:grpSp>
+      <p:cxnSp>
+        <p:nvCxnSpPr>
+          <p:cNvPr id="43" name="Straight Arrow Connector 42"/>
+          <p:cNvCxnSpPr>
+            <a:stCxn id="13" idx="0"/>
+          </p:cNvCxnSpPr>
+          <p:nvPr/>
+        </p:nvCxnSpPr>
+        <p:spPr>
+          <a:xfrm flipV="1">
+            <a:off x="1799413" y="4245429"/>
+            <a:ext cx="0" cy="545015"/>
           </a:xfrm>
           <a:prstGeom prst="straightConnector1">
             <a:avLst/>

--- a/Documentação/Diagrama-Solucao.pptx
+++ b/Documentação/Diagrama-Solucao.pptx
@@ -243,7 +243,7 @@
           <a:p>
             <a:fld id="{9AB3A824-1A51-4B26-AD58-A6D8E14F6C04}" type="datetimeFigureOut">
               <a:rPr lang="en-US" smtClean="0"/>
-              <a:t>10/18/2019</a:t>
+              <a:t>11/1/2019</a:t>
             </a:fld>
             <a:endParaRPr lang="en-US" dirty="0"/>
           </a:p>
@@ -290,7 +290,7 @@
           <a:p>
             <a:fld id="{6D22F896-40B5-4ADD-8801-0D06FADFA095}" type="slidenum">
               <a:rPr lang="en-US" smtClean="0"/>
-              <a:t>‹#›</a:t>
+              <a:t>‹nº›</a:t>
             </a:fld>
             <a:endParaRPr lang="en-US" dirty="0"/>
           </a:p>
@@ -418,7 +418,7 @@
           <a:p>
             <a:fld id="{D857E33E-8B18-4087-B112-809917729534}" type="datetimeFigureOut">
               <a:rPr lang="en-US" smtClean="0"/>
-              <a:t>10/18/2019</a:t>
+              <a:t>11/1/2019</a:t>
             </a:fld>
             <a:endParaRPr lang="en-US" dirty="0"/>
           </a:p>
@@ -465,7 +465,7 @@
           <a:p>
             <a:fld id="{6D22F896-40B5-4ADD-8801-0D06FADFA095}" type="slidenum">
               <a:rPr lang="en-US" smtClean="0"/>
-              <a:t>‹#›</a:t>
+              <a:t>‹nº›</a:t>
             </a:fld>
             <a:endParaRPr lang="en-US" dirty="0"/>
           </a:p>
@@ -603,7 +603,7 @@
           <a:p>
             <a:fld id="{D3FFE419-2371-464F-8239-3959401C3561}" type="datetimeFigureOut">
               <a:rPr lang="en-US" smtClean="0"/>
-              <a:t>10/18/2019</a:t>
+              <a:t>11/1/2019</a:t>
             </a:fld>
             <a:endParaRPr lang="en-US" dirty="0"/>
           </a:p>
@@ -650,7 +650,7 @@
           <a:p>
             <a:fld id="{6D22F896-40B5-4ADD-8801-0D06FADFA095}" type="slidenum">
               <a:rPr lang="en-US" smtClean="0"/>
-              <a:t>‹#›</a:t>
+              <a:t>‹nº›</a:t>
             </a:fld>
             <a:endParaRPr lang="en-US" dirty="0"/>
           </a:p>
@@ -778,7 +778,7 @@
           <a:p>
             <a:fld id="{97D162C4-EDD9-4389-A98B-B87ECEA2A816}" type="datetimeFigureOut">
               <a:rPr lang="en-US" smtClean="0"/>
-              <a:t>10/18/2019</a:t>
+              <a:t>11/1/2019</a:t>
             </a:fld>
             <a:endParaRPr lang="en-US" dirty="0"/>
           </a:p>
@@ -825,7 +825,7 @@
           <a:p>
             <a:fld id="{6D22F896-40B5-4ADD-8801-0D06FADFA095}" type="slidenum">
               <a:rPr lang="en-US" smtClean="0"/>
-              <a:t>‹#›</a:t>
+              <a:t>‹nº›</a:t>
             </a:fld>
             <a:endParaRPr lang="en-US" dirty="0"/>
           </a:p>
@@ -1029,7 +1029,7 @@
           <a:p>
             <a:fld id="{3E5059C3-6A89-4494-99FF-5A4D6FFD50EB}" type="datetimeFigureOut">
               <a:rPr lang="en-US" smtClean="0"/>
-              <a:t>10/18/2019</a:t>
+              <a:t>11/1/2019</a:t>
             </a:fld>
             <a:endParaRPr lang="en-US" dirty="0"/>
           </a:p>
@@ -1076,7 +1076,7 @@
           <a:p>
             <a:fld id="{6D22F896-40B5-4ADD-8801-0D06FADFA095}" type="slidenum">
               <a:rPr lang="en-US" smtClean="0"/>
-              <a:t>‹#›</a:t>
+              <a:t>‹nº›</a:t>
             </a:fld>
             <a:endParaRPr lang="en-US" dirty="0"/>
           </a:p>
@@ -1266,7 +1266,7 @@
           <a:p>
             <a:fld id="{CA954B2F-12DE-47F5-8894-472B206D2E1E}" type="datetimeFigureOut">
               <a:rPr lang="en-US" smtClean="0"/>
-              <a:t>10/18/2019</a:t>
+              <a:t>11/1/2019</a:t>
             </a:fld>
             <a:endParaRPr lang="en-US" dirty="0"/>
           </a:p>
@@ -1313,7 +1313,7 @@
           <a:p>
             <a:fld id="{6D22F896-40B5-4ADD-8801-0D06FADFA095}" type="slidenum">
               <a:rPr lang="en-US" smtClean="0"/>
-              <a:t>‹#›</a:t>
+              <a:t>‹nº›</a:t>
             </a:fld>
             <a:endParaRPr lang="en-US" dirty="0"/>
           </a:p>
@@ -1638,7 +1638,7 @@
           <a:p>
             <a:fld id="{3F30E46F-7819-4ACF-B48B-48222C2ACC88}" type="datetimeFigureOut">
               <a:rPr lang="en-US" smtClean="0"/>
-              <a:t>10/18/2019</a:t>
+              <a:t>11/1/2019</a:t>
             </a:fld>
             <a:endParaRPr lang="en-US" dirty="0"/>
           </a:p>
@@ -1685,7 +1685,7 @@
           <a:p>
             <a:fld id="{6D22F896-40B5-4ADD-8801-0D06FADFA095}" type="slidenum">
               <a:rPr lang="en-US" smtClean="0"/>
-              <a:t>‹#›</a:t>
+              <a:t>‹nº›</a:t>
             </a:fld>
             <a:endParaRPr lang="en-US" dirty="0"/>
           </a:p>
@@ -1761,7 +1761,7 @@
           <a:p>
             <a:fld id="{1FAF3416-4057-4DAA-829D-4CA07428D088}" type="datetimeFigureOut">
               <a:rPr lang="en-US" smtClean="0"/>
-              <a:t>10/18/2019</a:t>
+              <a:t>11/1/2019</a:t>
             </a:fld>
             <a:endParaRPr lang="en-US" dirty="0"/>
           </a:p>
@@ -1808,7 +1808,7 @@
           <a:p>
             <a:fld id="{6D22F896-40B5-4ADD-8801-0D06FADFA095}" type="slidenum">
               <a:rPr lang="en-US" smtClean="0"/>
-              <a:t>‹#›</a:t>
+              <a:t>‹nº›</a:t>
             </a:fld>
             <a:endParaRPr lang="en-US" dirty="0"/>
           </a:p>
@@ -1861,7 +1861,7 @@
           <a:p>
             <a:fld id="{921D9284-D300-4297-87F7-E791DCC15DB1}" type="datetimeFigureOut">
               <a:rPr lang="en-US" smtClean="0"/>
-              <a:t>10/18/2019</a:t>
+              <a:t>11/1/2019</a:t>
             </a:fld>
             <a:endParaRPr lang="en-US" dirty="0"/>
           </a:p>
@@ -1908,7 +1908,7 @@
           <a:p>
             <a:fld id="{6D22F896-40B5-4ADD-8801-0D06FADFA095}" type="slidenum">
               <a:rPr lang="en-US" smtClean="0"/>
-              <a:t>‹#›</a:t>
+              <a:t>‹nº›</a:t>
             </a:fld>
             <a:endParaRPr lang="en-US" dirty="0"/>
           </a:p>
@@ -2143,7 +2143,7 @@
           <a:p>
             <a:fld id="{37D525BB-DA17-4BA0-B3C8-3AC3ABC827E6}" type="datetimeFigureOut">
               <a:rPr lang="en-US" smtClean="0"/>
-              <a:t>10/18/2019</a:t>
+              <a:t>11/1/2019</a:t>
             </a:fld>
             <a:endParaRPr lang="en-US" dirty="0"/>
           </a:p>
@@ -2190,7 +2190,7 @@
           <a:p>
             <a:fld id="{6D22F896-40B5-4ADD-8801-0D06FADFA095}" type="slidenum">
               <a:rPr lang="en-US" smtClean="0"/>
-              <a:t>‹#›</a:t>
+              <a:t>‹nº›</a:t>
             </a:fld>
             <a:endParaRPr lang="en-US" dirty="0"/>
           </a:p>
@@ -2405,7 +2405,7 @@
           <a:p>
             <a:fld id="{B16C4C9A-3960-41CF-A4E9-2A8FB932454B}" type="datetimeFigureOut">
               <a:rPr lang="en-US" smtClean="0"/>
-              <a:t>10/18/2019</a:t>
+              <a:t>11/1/2019</a:t>
             </a:fld>
             <a:endParaRPr lang="en-US" dirty="0"/>
           </a:p>
@@ -2452,7 +2452,7 @@
           <a:p>
             <a:fld id="{6D22F896-40B5-4ADD-8801-0D06FADFA095}" type="slidenum">
               <a:rPr lang="en-US" smtClean="0"/>
-              <a:t>‹#›</a:t>
+              <a:t>‹nº›</a:t>
             </a:fld>
             <a:endParaRPr lang="en-US" dirty="0"/>
           </a:p>
@@ -2623,7 +2623,7 @@
           <a:p>
             <a:fld id="{3CBC1C18-307B-4F68-A007-B5B542270E8D}" type="datetimeFigureOut">
               <a:rPr lang="en-US" smtClean="0"/>
-              <a:t>10/18/2019</a:t>
+              <a:t>11/1/2019</a:t>
             </a:fld>
             <a:endParaRPr lang="en-US" dirty="0"/>
           </a:p>
@@ -2707,7 +2707,7 @@
             <a:fld id="{6D22F896-40B5-4ADD-8801-0D06FADFA095}" type="slidenum">
               <a:rPr lang="en-US" smtClean="0"/>
               <a:pPr/>
-              <a:t>‹#›</a:t>
+              <a:t>‹nº›</a:t>
             </a:fld>
             <a:endParaRPr lang="en-US" dirty="0"/>
           </a:p>
@@ -3051,8 +3051,8 @@
         </p:blipFill>
         <p:spPr>
           <a:xfrm>
-            <a:off x="4684485" y="1297604"/>
-            <a:ext cx="1901091" cy="1664686"/>
+            <a:off x="4630553" y="-567192"/>
+            <a:ext cx="4160870" cy="3643456"/>
           </a:xfrm>
           <a:prstGeom prst="rect">
             <a:avLst/>
@@ -3067,8 +3067,8 @@
         </p:nvSpPr>
         <p:spPr>
           <a:xfrm>
-            <a:off x="6688289" y="546927"/>
-            <a:ext cx="1500442" cy="1402903"/>
+            <a:off x="6810321" y="980223"/>
+            <a:ext cx="1160534" cy="1292990"/>
           </a:xfrm>
           <a:prstGeom prst="roundRect">
             <a:avLst>
@@ -3139,8 +3139,8 @@
         </p:blipFill>
         <p:spPr>
           <a:xfrm>
-            <a:off x="4604788" y="890435"/>
-            <a:ext cx="1876500" cy="560201"/>
+            <a:off x="5198947" y="1065549"/>
+            <a:ext cx="1422558" cy="424684"/>
           </a:xfrm>
           <a:prstGeom prst="rect">
             <a:avLst/>
@@ -3163,8 +3163,8 @@
         </p:blipFill>
         <p:spPr>
           <a:xfrm>
-            <a:off x="6909994" y="620151"/>
-            <a:ext cx="1111813" cy="825143"/>
+            <a:off x="6921174" y="1080041"/>
+            <a:ext cx="938828" cy="696760"/>
           </a:xfrm>
           <a:prstGeom prst="rect">
             <a:avLst/>
@@ -3187,8 +3187,8 @@
         </p:blipFill>
         <p:spPr>
           <a:xfrm>
-            <a:off x="7063039" y="1445294"/>
-            <a:ext cx="972647" cy="385473"/>
+            <a:off x="7008244" y="1741976"/>
+            <a:ext cx="821315" cy="325498"/>
           </a:xfrm>
           <a:prstGeom prst="rect">
             <a:avLst/>
@@ -3307,48 +3307,18 @@
           <p:nvPr/>
         </p:nvCxnSpPr>
         <p:spPr>
-          <a:xfrm rot="16200000" flipH="1">
-            <a:off x="7727573" y="2140349"/>
-            <a:ext cx="1009423" cy="926355"/>
+          <a:xfrm>
+            <a:off x="7829559" y="2794286"/>
+            <a:ext cx="865903" cy="313952"/>
           </a:xfrm>
           <a:prstGeom prst="bentConnector3">
             <a:avLst>
-              <a:gd name="adj1" fmla="val 50000"/>
+              <a:gd name="adj1" fmla="val -1292"/>
             </a:avLst>
           </a:prstGeom>
           <a:ln>
             <a:tailEnd type="triangle"/>
           </a:ln>
-        </p:spPr>
-        <p:style>
-          <a:lnRef idx="1">
-            <a:schemeClr val="accent1"/>
-          </a:lnRef>
-          <a:fillRef idx="0">
-            <a:schemeClr val="accent1"/>
-          </a:fillRef>
-          <a:effectRef idx="0">
-            <a:schemeClr val="accent1"/>
-          </a:effectRef>
-          <a:fontRef idx="minor">
-            <a:schemeClr val="tx1"/>
-          </a:fontRef>
-        </p:style>
-      </p:cxnSp>
-      <p:cxnSp>
-        <p:nvCxnSpPr>
-          <p:cNvPr id="109" name="Straight Connector 108"/>
-          <p:cNvCxnSpPr/>
-          <p:nvPr/>
-        </p:nvCxnSpPr>
-        <p:spPr>
-          <a:xfrm>
-            <a:off x="2886591" y="750984"/>
-            <a:ext cx="3698985" cy="0"/>
-          </a:xfrm>
-          <a:prstGeom prst="line">
-            <a:avLst/>
-          </a:prstGeom>
         </p:spPr>
         <p:style>
           <a:lnRef idx="1">
@@ -3379,41 +3349,6 @@
           <a:prstGeom prst="bentConnector3">
             <a:avLst>
               <a:gd name="adj1" fmla="val 341"/>
-            </a:avLst>
-          </a:prstGeom>
-          <a:ln>
-            <a:tailEnd type="triangle"/>
-          </a:ln>
-        </p:spPr>
-        <p:style>
-          <a:lnRef idx="1">
-            <a:schemeClr val="accent1"/>
-          </a:lnRef>
-          <a:fillRef idx="0">
-            <a:schemeClr val="accent1"/>
-          </a:fillRef>
-          <a:effectRef idx="0">
-            <a:schemeClr val="accent1"/>
-          </a:effectRef>
-          <a:fontRef idx="minor">
-            <a:schemeClr val="tx1"/>
-          </a:fontRef>
-        </p:style>
-      </p:cxnSp>
-      <p:cxnSp>
-        <p:nvCxnSpPr>
-          <p:cNvPr id="114" name="Elbow Connector 113"/>
-          <p:cNvCxnSpPr/>
-          <p:nvPr/>
-        </p:nvCxnSpPr>
-        <p:spPr>
-          <a:xfrm flipV="1">
-            <a:off x="6688289" y="2129947"/>
-            <a:ext cx="496282" cy="352634"/>
-          </a:xfrm>
-          <a:prstGeom prst="bentConnector3">
-            <a:avLst>
-              <a:gd name="adj1" fmla="val 105275"/>
             </a:avLst>
           </a:prstGeom>
           <a:ln>
@@ -3527,8 +3462,8 @@
         </p:nvSpPr>
         <p:spPr>
           <a:xfrm>
-            <a:off x="4749795" y="2887055"/>
-            <a:ext cx="1861442" cy="646331"/>
+            <a:off x="6136032" y="2831458"/>
+            <a:ext cx="810044" cy="646331"/>
           </a:xfrm>
           <a:prstGeom prst="rect">
             <a:avLst/>
@@ -3542,9 +3477,10 @@
           <a:lstStyle/>
           <a:p>
             <a:r>
-              <a:rPr lang="pt-BR" dirty="0" smtClean="0"/>
-              <a:t>Banco Relacional</a:t>
-            </a:r>
+              <a:rPr lang="pt-BR" dirty="0" err="1" smtClean="0"/>
+              <a:t>Cloud</a:t>
+            </a:r>
+            <a:endParaRPr lang="pt-BR" dirty="0" smtClean="0"/>
           </a:p>
           <a:p>
             <a:endParaRPr lang="en-US" dirty="0"/>
@@ -3737,7 +3673,7 @@
         </p:blipFill>
         <p:spPr>
           <a:xfrm>
-            <a:off x="5190113" y="1864798"/>
+            <a:off x="5489392" y="1403287"/>
             <a:ext cx="869164" cy="794967"/>
           </a:xfrm>
           <a:prstGeom prst="rect">
@@ -3777,11 +3713,13 @@
         </p:nvCxnSpPr>
         <p:spPr>
           <a:xfrm rot="10800000">
-            <a:off x="3491848" y="5713941"/>
-            <a:ext cx="1376215" cy="12700"/>
+            <a:off x="3491848" y="5695407"/>
+            <a:ext cx="1376216" cy="31235"/>
           </a:xfrm>
           <a:prstGeom prst="bentConnector3">
-            <a:avLst/>
+            <a:avLst>
+              <a:gd name="adj1" fmla="val 101256"/>
+            </a:avLst>
           </a:prstGeom>
           <a:ln>
             <a:tailEnd type="triangle"/>
@@ -3897,6 +3835,41 @@
           </a:xfrm>
           <a:prstGeom prst="straightConnector1">
             <a:avLst/>
+          </a:prstGeom>
+          <a:ln>
+            <a:tailEnd type="triangle"/>
+          </a:ln>
+        </p:spPr>
+        <p:style>
+          <a:lnRef idx="1">
+            <a:schemeClr val="accent1"/>
+          </a:lnRef>
+          <a:fillRef idx="0">
+            <a:schemeClr val="accent1"/>
+          </a:fillRef>
+          <a:effectRef idx="0">
+            <a:schemeClr val="accent1"/>
+          </a:effectRef>
+          <a:fontRef idx="minor">
+            <a:schemeClr val="tx1"/>
+          </a:fontRef>
+        </p:style>
+      </p:cxnSp>
+      <p:cxnSp>
+        <p:nvCxnSpPr>
+          <p:cNvPr id="44" name="Elbow Connector 97"/>
+          <p:cNvCxnSpPr/>
+          <p:nvPr/>
+        </p:nvCxnSpPr>
+        <p:spPr>
+          <a:xfrm>
+            <a:off x="2829601" y="980223"/>
+            <a:ext cx="1766586" cy="297668"/>
+          </a:xfrm>
+          <a:prstGeom prst="bentConnector3">
+            <a:avLst>
+              <a:gd name="adj1" fmla="val 50000"/>
+            </a:avLst>
           </a:prstGeom>
           <a:ln>
             <a:tailEnd type="triangle"/>
